--- a/Clase2/Presentación.pptx
+++ b/Clase2/Presentación.pptx
@@ -5,7 +5,7 @@
     <p:sldMasterId id="2147483672" r:id="rId1"/>
   </p:sldMasterIdLst>
   <p:notesMasterIdLst>
-    <p:notesMasterId r:id="rId59"/>
+    <p:notesMasterId r:id="rId57"/>
   </p:notesMasterIdLst>
   <p:sldIdLst>
     <p:sldId id="256" r:id="rId2"/>
@@ -15,9 +15,9 @@
     <p:sldId id="314" r:id="rId6"/>
     <p:sldId id="315" r:id="rId7"/>
     <p:sldId id="316" r:id="rId8"/>
-    <p:sldId id="257" r:id="rId9"/>
-    <p:sldId id="317" r:id="rId10"/>
-    <p:sldId id="318" r:id="rId11"/>
+    <p:sldId id="317" r:id="rId9"/>
+    <p:sldId id="318" r:id="rId10"/>
+    <p:sldId id="257" r:id="rId11"/>
     <p:sldId id="267" r:id="rId12"/>
     <p:sldId id="268" r:id="rId13"/>
     <p:sldId id="269" r:id="rId14"/>
@@ -58,13 +58,11 @@
     <p:sldId id="301" r:id="rId49"/>
     <p:sldId id="300" r:id="rId50"/>
     <p:sldId id="299" r:id="rId51"/>
-    <p:sldId id="288" r:id="rId52"/>
-    <p:sldId id="258" r:id="rId53"/>
-    <p:sldId id="308" r:id="rId54"/>
-    <p:sldId id="309" r:id="rId55"/>
-    <p:sldId id="310" r:id="rId56"/>
-    <p:sldId id="311" r:id="rId57"/>
-    <p:sldId id="312" r:id="rId58"/>
+    <p:sldId id="308" r:id="rId52"/>
+    <p:sldId id="309" r:id="rId53"/>
+    <p:sldId id="310" r:id="rId54"/>
+    <p:sldId id="311" r:id="rId55"/>
+    <p:sldId id="312" r:id="rId56"/>
   </p:sldIdLst>
   <p:sldSz cx="12192000" cy="6858000"/>
   <p:notesSz cx="6858000" cy="9144000"/>
@@ -253,7 +251,7 @@
           <a:p>
             <a:fld id="{430AAACB-714D-4ED6-9BCD-E10DE1E326CF}" type="datetimeFigureOut">
               <a:rPr lang="es-CO" smtClean="0"/>
-              <a:t>6/08/2019</a:t>
+              <a:t>8/08/2019</a:t>
             </a:fld>
             <a:endParaRPr lang="es-CO"/>
           </a:p>
@@ -2491,7 +2489,7 @@
           <a:p>
             <a:fld id="{C214C790-AC43-4046-BAB7-879940BCF0AB}" type="datetimeFigureOut">
               <a:rPr lang="es-CO" smtClean="0"/>
-              <a:t>6/08/2019</a:t>
+              <a:t>8/08/2019</a:t>
             </a:fld>
             <a:endParaRPr lang="es-CO"/>
           </a:p>
@@ -2699,7 +2697,7 @@
           <a:p>
             <a:fld id="{C214C790-AC43-4046-BAB7-879940BCF0AB}" type="datetimeFigureOut">
               <a:rPr lang="es-CO" smtClean="0"/>
-              <a:t>6/08/2019</a:t>
+              <a:t>8/08/2019</a:t>
             </a:fld>
             <a:endParaRPr lang="es-CO"/>
           </a:p>
@@ -2955,7 +2953,7 @@
           <a:p>
             <a:fld id="{C214C790-AC43-4046-BAB7-879940BCF0AB}" type="datetimeFigureOut">
               <a:rPr lang="es-CO" smtClean="0"/>
-              <a:t>6/08/2019</a:t>
+              <a:t>8/08/2019</a:t>
             </a:fld>
             <a:endParaRPr lang="es-CO"/>
           </a:p>
@@ -3125,7 +3123,7 @@
           <a:p>
             <a:fld id="{C214C790-AC43-4046-BAB7-879940BCF0AB}" type="datetimeFigureOut">
               <a:rPr lang="es-CO" smtClean="0"/>
-              <a:t>6/08/2019</a:t>
+              <a:t>8/08/2019</a:t>
             </a:fld>
             <a:endParaRPr lang="es-CO"/>
           </a:p>
@@ -3468,7 +3466,7 @@
           <a:p>
             <a:fld id="{C214C790-AC43-4046-BAB7-879940BCF0AB}" type="datetimeFigureOut">
               <a:rPr lang="es-CO" smtClean="0"/>
-              <a:t>6/08/2019</a:t>
+              <a:t>8/08/2019</a:t>
             </a:fld>
             <a:endParaRPr lang="es-CO"/>
           </a:p>
@@ -3743,7 +3741,7 @@
           <a:p>
             <a:fld id="{C214C790-AC43-4046-BAB7-879940BCF0AB}" type="datetimeFigureOut">
               <a:rPr lang="es-CO" smtClean="0"/>
-              <a:t>6/08/2019</a:t>
+              <a:t>8/08/2019</a:t>
             </a:fld>
             <a:endParaRPr lang="es-CO"/>
           </a:p>
@@ -4122,7 +4120,7 @@
           <a:p>
             <a:fld id="{C214C790-AC43-4046-BAB7-879940BCF0AB}" type="datetimeFigureOut">
               <a:rPr lang="es-CO" smtClean="0"/>
-              <a:t>6/08/2019</a:t>
+              <a:t>8/08/2019</a:t>
             </a:fld>
             <a:endParaRPr lang="es-CO"/>
           </a:p>
@@ -4240,7 +4238,7 @@
           <a:p>
             <a:fld id="{C214C790-AC43-4046-BAB7-879940BCF0AB}" type="datetimeFigureOut">
               <a:rPr lang="es-CO" smtClean="0"/>
-              <a:t>6/08/2019</a:t>
+              <a:t>8/08/2019</a:t>
             </a:fld>
             <a:endParaRPr lang="es-CO"/>
           </a:p>
@@ -4411,7 +4409,7 @@
           <a:p>
             <a:fld id="{C214C790-AC43-4046-BAB7-879940BCF0AB}" type="datetimeFigureOut">
               <a:rPr lang="es-CO" smtClean="0"/>
-              <a:t>6/08/2019</a:t>
+              <a:t>8/08/2019</a:t>
             </a:fld>
             <a:endParaRPr lang="es-CO"/>
           </a:p>
@@ -4765,7 +4763,7 @@
           <a:p>
             <a:fld id="{C214C790-AC43-4046-BAB7-879940BCF0AB}" type="datetimeFigureOut">
               <a:rPr lang="es-CO" smtClean="0"/>
-              <a:t>6/08/2019</a:t>
+              <a:t>8/08/2019</a:t>
             </a:fld>
             <a:endParaRPr lang="es-CO"/>
           </a:p>
@@ -5142,7 +5140,7 @@
           <a:p>
             <a:fld id="{C214C790-AC43-4046-BAB7-879940BCF0AB}" type="datetimeFigureOut">
               <a:rPr lang="es-CO" smtClean="0"/>
-              <a:t>6/08/2019</a:t>
+              <a:t>8/08/2019</a:t>
             </a:fld>
             <a:endParaRPr lang="es-CO"/>
           </a:p>
@@ -5429,7 +5427,7 @@
           <a:p>
             <a:fld id="{C214C790-AC43-4046-BAB7-879940BCF0AB}" type="datetimeFigureOut">
               <a:rPr lang="es-CO" smtClean="0"/>
-              <a:t>6/08/2019</a:t>
+              <a:t>8/08/2019</a:t>
             </a:fld>
             <a:endParaRPr lang="es-CO"/>
           </a:p>
@@ -6057,8 +6055,8 @@
           <a:lstStyle/>
           <a:p>
             <a:r>
-              <a:rPr lang="es-ES" dirty="0" smtClean="0"/>
-              <a:t>Ejercicio</a:t>
+              <a:rPr lang="es-ES" dirty="0" err="1" smtClean="0"/>
+              <a:t>Singleton</a:t>
             </a:r>
             <a:endParaRPr lang="es-CO" dirty="0"/>
           </a:p>
@@ -6074,82 +6072,83 @@
             <p:ph idx="1"/>
           </p:nvPr>
         </p:nvSpPr>
-        <p:spPr>
-          <a:xfrm>
-            <a:off x="1097280" y="1845734"/>
-            <a:ext cx="5938787" cy="4023360"/>
-          </a:xfrm>
-        </p:spPr>
+        <p:spPr/>
         <p:txBody>
           <a:bodyPr/>
           <a:lstStyle/>
           <a:p>
             <a:r>
-              <a:rPr lang="es-CO" sz="2400" dirty="0"/>
-              <a:t>Desarrollar un programa en JAVA que permita obtener una lista de las direcciones IP que están siendo utilizadas en la subred a</a:t>
-            </a:r>
-            <a:r>
-              <a:rPr lang="es-CO" sz="2400" dirty="0" smtClean="0"/>
-              <a:t> </a:t>
-            </a:r>
-            <a:r>
-              <a:rPr lang="es-CO" sz="2400" dirty="0"/>
-              <a:t>la que estamos conectados</a:t>
-            </a:r>
-            <a:r>
-              <a:rPr lang="es-CO" sz="2400" dirty="0" smtClean="0"/>
-              <a:t>.</a:t>
-            </a:r>
-          </a:p>
-          <a:p>
-            <a:endParaRPr lang="es-ES" sz="2400" dirty="0"/>
-          </a:p>
-          <a:p>
-            <a:r>
-              <a:rPr lang="es-ES" sz="2400" dirty="0" smtClean="0"/>
-              <a:t>El programa consta de un hilo buscador. </a:t>
-            </a:r>
-          </a:p>
-          <a:p>
-            <a:endParaRPr lang="es-ES" sz="2400" dirty="0"/>
-          </a:p>
-          <a:p>
-            <a:r>
-              <a:rPr lang="es-ES" sz="2400" dirty="0" smtClean="0"/>
-              <a:t>El hilo tiene que reportar a la interfaz cada vez que encuentre un host</a:t>
-            </a:r>
-            <a:endParaRPr lang="es-CO" sz="2400" dirty="0" smtClean="0"/>
-          </a:p>
-          <a:p>
+              <a:rPr lang="es-ES" dirty="0" smtClean="0"/>
+              <a:t>El patrón </a:t>
+            </a:r>
+            <a:r>
+              <a:rPr lang="es-ES" dirty="0" err="1"/>
+              <a:t>S</a:t>
+            </a:r>
+            <a:r>
+              <a:rPr lang="es-ES" dirty="0" err="1" smtClean="0"/>
+              <a:t>ingleton</a:t>
+            </a:r>
+            <a:r>
+              <a:rPr lang="es-ES" dirty="0" smtClean="0"/>
+              <a:t> permite crear una única instancia a partir de una clase. </a:t>
+            </a:r>
+            <a:endParaRPr lang="es-ES" dirty="0"/>
+          </a:p>
+          <a:p>
+            <a:r>
+              <a:rPr lang="es-ES" dirty="0" smtClean="0"/>
+              <a:t>En el caso de conexiones, el patrón </a:t>
+            </a:r>
+            <a:r>
+              <a:rPr lang="es-ES" dirty="0" err="1" smtClean="0"/>
+              <a:t>Singleton</a:t>
+            </a:r>
+            <a:r>
+              <a:rPr lang="es-ES" dirty="0" smtClean="0"/>
+              <a:t> cobra importancia, permitiendo usar una conexión activa por múltiples objetos dentro de un software</a:t>
+            </a:r>
             <a:endParaRPr lang="es-CO" dirty="0"/>
           </a:p>
         </p:txBody>
       </p:sp>
       <p:pic>
         <p:nvPicPr>
-          <p:cNvPr id="4" name="Imagen 3"/>
-          <p:cNvPicPr/>
+          <p:cNvPr id="1026" name="Picture 2" descr="Resultado de imagen para Singleton uml"/>
+          <p:cNvPicPr>
+            <a:picLocks noChangeAspect="1" noChangeArrowheads="1"/>
+          </p:cNvPicPr>
           <p:nvPr/>
         </p:nvPicPr>
-        <p:blipFill rotWithShape="1">
-          <a:blip r:embed="rId2"/>
-          <a:srcRect l="18443" t="26353" r="26454" b="27781"/>
-          <a:stretch/>
+        <p:blipFill>
+          <a:blip r:embed="rId2">
+            <a:extLst>
+              <a:ext uri="{28A0092B-C50C-407E-A947-70E740481C1C}">
+                <a14:useLocalDpi xmlns:a14="http://schemas.microsoft.com/office/drawing/2010/main" val="0"/>
+              </a:ext>
+            </a:extLst>
+          </a:blip>
+          <a:srcRect/>
+          <a:stretch>
+            <a:fillRect/>
+          </a:stretch>
         </p:blipFill>
         <p:spPr bwMode="auto">
           <a:xfrm>
-            <a:off x="7036067" y="2618472"/>
-            <a:ext cx="4953918" cy="2319288"/>
-          </a:xfrm>
-          <a:prstGeom prst="rect">
-            <a:avLst/>
-          </a:prstGeom>
-          <a:ln>
-            <a:noFill/>
-          </a:ln>
+            <a:off x="4323315" y="3175409"/>
+            <a:ext cx="3607903" cy="2693685"/>
+          </a:xfrm>
+          <a:prstGeom prst="rect">
+            <a:avLst/>
+          </a:prstGeom>
+          <a:noFill/>
           <a:extLst>
-            <a:ext uri="{53640926-AAD7-44D8-BBD7-CCE9431645EC}">
-              <a14:shadowObscured xmlns:a14="http://schemas.microsoft.com/office/drawing/2010/main"/>
+            <a:ext uri="{909E8E84-426E-40DD-AFC4-6F175D3DCCD1}">
+              <a14:hiddenFill xmlns:a14="http://schemas.microsoft.com/office/drawing/2010/main">
+                <a:solidFill>
+                  <a:srgbClr val="FFFFFF"/>
+                </a:solidFill>
+              </a14:hiddenFill>
             </a:ext>
           </a:extLst>
         </p:spPr>
@@ -6157,7 +6156,7 @@
     </p:spTree>
     <p:extLst>
       <p:ext uri="{BB962C8B-B14F-4D97-AF65-F5344CB8AC3E}">
-        <p14:creationId xmlns:p14="http://schemas.microsoft.com/office/powerpoint/2010/main" val="391011779"/>
+        <p14:creationId xmlns:p14="http://schemas.microsoft.com/office/powerpoint/2010/main" val="3750862873"/>
       </p:ext>
     </p:extLst>
   </p:cSld>
@@ -31926,7 +31925,7 @@
             <a:spLocks noGrp="1"/>
           </p:cNvSpPr>
           <p:nvPr>
-            <p:ph type="ctrTitle"/>
+            <p:ph type="title"/>
           </p:nvPr>
         </p:nvSpPr>
         <p:spPr/>
@@ -31936,7 +31935,7 @@
           <a:p>
             <a:r>
               <a:rPr lang="es-ES" dirty="0" smtClean="0"/>
-              <a:t>IMPLEMENTACIÓN JAVA</a:t>
+              <a:t>Taller grupal</a:t>
             </a:r>
             <a:endParaRPr lang="es-CO" dirty="0"/>
           </a:p>
@@ -31944,12 +31943,12 @@
       </p:sp>
       <p:sp>
         <p:nvSpPr>
-          <p:cNvPr id="3" name="Subtítulo 2"/>
+          <p:cNvPr id="3" name="Marcador de contenido 2"/>
           <p:cNvSpPr>
             <a:spLocks noGrp="1"/>
           </p:cNvSpPr>
           <p:nvPr>
-            <p:ph type="subTitle" idx="1"/>
+            <p:ph idx="1"/>
           </p:nvPr>
         </p:nvSpPr>
         <p:spPr/>
@@ -31958,19 +31957,706 @@
           <a:lstStyle/>
           <a:p>
             <a:r>
-              <a:rPr lang="es-CO" dirty="0">
-                <a:hlinkClick r:id="rId2"/>
+              <a:rPr lang="es-ES" b="1" i="1" dirty="0" smtClean="0"/>
+              <a:t>Teléfono roto</a:t>
+            </a:r>
+          </a:p>
+          <a:p>
+            <a:r>
+              <a:rPr lang="es-ES" dirty="0" smtClean="0"/>
+              <a:t>Seleccionen un mensaje y transmítanlo de forma que pase por cada uno de los computadores.</a:t>
+            </a:r>
+            <a:endParaRPr lang="es-CO" dirty="0"/>
+          </a:p>
+        </p:txBody>
+      </p:sp>
+      <p:sp>
+        <p:nvSpPr>
+          <p:cNvPr id="4" name="Rectángulo 3"/>
+          <p:cNvSpPr/>
+          <p:nvPr/>
+        </p:nvSpPr>
+        <p:spPr>
+          <a:xfrm>
+            <a:off x="4437246" y="3330341"/>
+            <a:ext cx="462013" cy="462013"/>
+          </a:xfrm>
+          <a:prstGeom prst="rect">
+            <a:avLst/>
+          </a:prstGeom>
+        </p:spPr>
+        <p:style>
+          <a:lnRef idx="2">
+            <a:schemeClr val="accent1">
+              <a:shade val="50000"/>
+            </a:schemeClr>
+          </a:lnRef>
+          <a:fillRef idx="1">
+            <a:schemeClr val="accent1"/>
+          </a:fillRef>
+          <a:effectRef idx="0">
+            <a:schemeClr val="accent1"/>
+          </a:effectRef>
+          <a:fontRef idx="minor">
+            <a:schemeClr val="lt1"/>
+          </a:fontRef>
+        </p:style>
+        <p:txBody>
+          <a:bodyPr rtlCol="0" anchor="ctr"/>
+          <a:lstStyle/>
+          <a:p>
+            <a:pPr algn="ctr"/>
+            <a:endParaRPr lang="es-CO"/>
+          </a:p>
+        </p:txBody>
+      </p:sp>
+      <p:sp>
+        <p:nvSpPr>
+          <p:cNvPr id="5" name="Rectángulo 4"/>
+          <p:cNvSpPr/>
+          <p:nvPr/>
+        </p:nvSpPr>
+        <p:spPr>
+          <a:xfrm>
+            <a:off x="5388543" y="3330340"/>
+            <a:ext cx="462013" cy="462013"/>
+          </a:xfrm>
+          <a:prstGeom prst="rect">
+            <a:avLst/>
+          </a:prstGeom>
+        </p:spPr>
+        <p:style>
+          <a:lnRef idx="2">
+            <a:schemeClr val="accent1">
+              <a:shade val="50000"/>
+            </a:schemeClr>
+          </a:lnRef>
+          <a:fillRef idx="1">
+            <a:schemeClr val="accent1"/>
+          </a:fillRef>
+          <a:effectRef idx="0">
+            <a:schemeClr val="accent1"/>
+          </a:effectRef>
+          <a:fontRef idx="minor">
+            <a:schemeClr val="lt1"/>
+          </a:fontRef>
+        </p:style>
+        <p:txBody>
+          <a:bodyPr rtlCol="0" anchor="ctr"/>
+          <a:lstStyle/>
+          <a:p>
+            <a:pPr algn="ctr"/>
+            <a:endParaRPr lang="es-CO"/>
+          </a:p>
+        </p:txBody>
+      </p:sp>
+      <p:sp>
+        <p:nvSpPr>
+          <p:cNvPr id="6" name="Rectángulo 5"/>
+          <p:cNvSpPr/>
+          <p:nvPr/>
+        </p:nvSpPr>
+        <p:spPr>
+          <a:xfrm>
+            <a:off x="6339840" y="3330339"/>
+            <a:ext cx="462013" cy="462013"/>
+          </a:xfrm>
+          <a:prstGeom prst="rect">
+            <a:avLst/>
+          </a:prstGeom>
+        </p:spPr>
+        <p:style>
+          <a:lnRef idx="2">
+            <a:schemeClr val="accent1">
+              <a:shade val="50000"/>
+            </a:schemeClr>
+          </a:lnRef>
+          <a:fillRef idx="1">
+            <a:schemeClr val="accent1"/>
+          </a:fillRef>
+          <a:effectRef idx="0">
+            <a:schemeClr val="accent1"/>
+          </a:effectRef>
+          <a:fontRef idx="minor">
+            <a:schemeClr val="lt1"/>
+          </a:fontRef>
+        </p:style>
+        <p:txBody>
+          <a:bodyPr rtlCol="0" anchor="ctr"/>
+          <a:lstStyle/>
+          <a:p>
+            <a:pPr algn="ctr"/>
+            <a:endParaRPr lang="es-CO"/>
+          </a:p>
+        </p:txBody>
+      </p:sp>
+      <p:sp>
+        <p:nvSpPr>
+          <p:cNvPr id="7" name="Rectángulo 6"/>
+          <p:cNvSpPr/>
+          <p:nvPr/>
+        </p:nvSpPr>
+        <p:spPr>
+          <a:xfrm>
+            <a:off x="7291137" y="3330338"/>
+            <a:ext cx="462013" cy="462013"/>
+          </a:xfrm>
+          <a:prstGeom prst="rect">
+            <a:avLst/>
+          </a:prstGeom>
+        </p:spPr>
+        <p:style>
+          <a:lnRef idx="2">
+            <a:schemeClr val="accent1">
+              <a:shade val="50000"/>
+            </a:schemeClr>
+          </a:lnRef>
+          <a:fillRef idx="1">
+            <a:schemeClr val="accent1"/>
+          </a:fillRef>
+          <a:effectRef idx="0">
+            <a:schemeClr val="accent1"/>
+          </a:effectRef>
+          <a:fontRef idx="minor">
+            <a:schemeClr val="lt1"/>
+          </a:fontRef>
+        </p:style>
+        <p:txBody>
+          <a:bodyPr rtlCol="0" anchor="ctr"/>
+          <a:lstStyle/>
+          <a:p>
+            <a:pPr algn="ctr"/>
+            <a:endParaRPr lang="es-CO"/>
+          </a:p>
+        </p:txBody>
+      </p:sp>
+      <p:sp>
+        <p:nvSpPr>
+          <p:cNvPr id="8" name="Rectángulo 7"/>
+          <p:cNvSpPr/>
+          <p:nvPr/>
+        </p:nvSpPr>
+        <p:spPr>
+          <a:xfrm>
+            <a:off x="7291137" y="4243134"/>
+            <a:ext cx="462013" cy="462013"/>
+          </a:xfrm>
+          <a:prstGeom prst="rect">
+            <a:avLst/>
+          </a:prstGeom>
+        </p:spPr>
+        <p:style>
+          <a:lnRef idx="2">
+            <a:schemeClr val="accent1">
+              <a:shade val="50000"/>
+            </a:schemeClr>
+          </a:lnRef>
+          <a:fillRef idx="1">
+            <a:schemeClr val="accent1"/>
+          </a:fillRef>
+          <a:effectRef idx="0">
+            <a:schemeClr val="accent1"/>
+          </a:effectRef>
+          <a:fontRef idx="minor">
+            <a:schemeClr val="lt1"/>
+          </a:fontRef>
+        </p:style>
+        <p:txBody>
+          <a:bodyPr rtlCol="0" anchor="ctr"/>
+          <a:lstStyle/>
+          <a:p>
+            <a:pPr algn="ctr"/>
+            <a:endParaRPr lang="es-CO"/>
+          </a:p>
+        </p:txBody>
+      </p:sp>
+      <p:sp>
+        <p:nvSpPr>
+          <p:cNvPr id="9" name="Rectángulo 8"/>
+          <p:cNvSpPr/>
+          <p:nvPr/>
+        </p:nvSpPr>
+        <p:spPr>
+          <a:xfrm>
+            <a:off x="4437245" y="4243134"/>
+            <a:ext cx="462013" cy="462013"/>
+          </a:xfrm>
+          <a:prstGeom prst="rect">
+            <a:avLst/>
+          </a:prstGeom>
+        </p:spPr>
+        <p:style>
+          <a:lnRef idx="2">
+            <a:schemeClr val="accent1">
+              <a:shade val="50000"/>
+            </a:schemeClr>
+          </a:lnRef>
+          <a:fillRef idx="1">
+            <a:schemeClr val="accent1"/>
+          </a:fillRef>
+          <a:effectRef idx="0">
+            <a:schemeClr val="accent1"/>
+          </a:effectRef>
+          <a:fontRef idx="minor">
+            <a:schemeClr val="lt1"/>
+          </a:fontRef>
+        </p:style>
+        <p:txBody>
+          <a:bodyPr rtlCol="0" anchor="ctr"/>
+          <a:lstStyle/>
+          <a:p>
+            <a:pPr algn="ctr"/>
+            <a:endParaRPr lang="es-CO"/>
+          </a:p>
+        </p:txBody>
+      </p:sp>
+      <p:sp>
+        <p:nvSpPr>
+          <p:cNvPr id="10" name="Rectángulo 9"/>
+          <p:cNvSpPr/>
+          <p:nvPr/>
+        </p:nvSpPr>
+        <p:spPr>
+          <a:xfrm>
+            <a:off x="4437243" y="5155927"/>
+            <a:ext cx="462013" cy="462013"/>
+          </a:xfrm>
+          <a:prstGeom prst="rect">
+            <a:avLst/>
+          </a:prstGeom>
+        </p:spPr>
+        <p:style>
+          <a:lnRef idx="2">
+            <a:schemeClr val="accent1">
+              <a:shade val="50000"/>
+            </a:schemeClr>
+          </a:lnRef>
+          <a:fillRef idx="1">
+            <a:schemeClr val="accent1"/>
+          </a:fillRef>
+          <a:effectRef idx="0">
+            <a:schemeClr val="accent1"/>
+          </a:effectRef>
+          <a:fontRef idx="minor">
+            <a:schemeClr val="lt1"/>
+          </a:fontRef>
+        </p:style>
+        <p:txBody>
+          <a:bodyPr rtlCol="0" anchor="ctr"/>
+          <a:lstStyle/>
+          <a:p>
+            <a:pPr algn="ctr"/>
+            <a:endParaRPr lang="es-CO"/>
+          </a:p>
+        </p:txBody>
+      </p:sp>
+      <p:sp>
+        <p:nvSpPr>
+          <p:cNvPr id="11" name="Rectángulo 10"/>
+          <p:cNvSpPr/>
+          <p:nvPr/>
+        </p:nvSpPr>
+        <p:spPr>
+          <a:xfrm>
+            <a:off x="7291136" y="5155927"/>
+            <a:ext cx="462013" cy="462013"/>
+          </a:xfrm>
+          <a:prstGeom prst="rect">
+            <a:avLst/>
+          </a:prstGeom>
+        </p:spPr>
+        <p:style>
+          <a:lnRef idx="2">
+            <a:schemeClr val="accent1">
+              <a:shade val="50000"/>
+            </a:schemeClr>
+          </a:lnRef>
+          <a:fillRef idx="1">
+            <a:schemeClr val="accent1"/>
+          </a:fillRef>
+          <a:effectRef idx="0">
+            <a:schemeClr val="accent1"/>
+          </a:effectRef>
+          <a:fontRef idx="minor">
+            <a:schemeClr val="lt1"/>
+          </a:fontRef>
+        </p:style>
+        <p:txBody>
+          <a:bodyPr rtlCol="0" anchor="ctr"/>
+          <a:lstStyle/>
+          <a:p>
+            <a:pPr algn="ctr"/>
+            <a:endParaRPr lang="es-CO"/>
+          </a:p>
+        </p:txBody>
+      </p:sp>
+      <p:sp>
+        <p:nvSpPr>
+          <p:cNvPr id="12" name="Rectángulo 11"/>
+          <p:cNvSpPr/>
+          <p:nvPr/>
+        </p:nvSpPr>
+        <p:spPr>
+          <a:xfrm>
+            <a:off x="3782724" y="5276961"/>
+            <a:ext cx="885525" cy="240811"/>
+          </a:xfrm>
+          <a:prstGeom prst="rect">
+            <a:avLst/>
+          </a:prstGeom>
+          <a:solidFill>
+            <a:schemeClr val="bg1">
+              <a:lumMod val="95000"/>
+            </a:schemeClr>
+          </a:solidFill>
+          <a:ln>
+            <a:noFill/>
+          </a:ln>
+        </p:spPr>
+        <p:style>
+          <a:lnRef idx="2">
+            <a:schemeClr val="accent1">
+              <a:shade val="50000"/>
+            </a:schemeClr>
+          </a:lnRef>
+          <a:fillRef idx="1">
+            <a:schemeClr val="accent1"/>
+          </a:fillRef>
+          <a:effectRef idx="0">
+            <a:schemeClr val="accent1"/>
+          </a:effectRef>
+          <a:fontRef idx="minor">
+            <a:schemeClr val="lt1"/>
+          </a:fontRef>
+        </p:style>
+        <p:txBody>
+          <a:bodyPr rtlCol="0" anchor="ctr"/>
+          <a:lstStyle/>
+          <a:p>
+            <a:pPr algn="ctr"/>
+            <a:r>
+              <a:rPr lang="es-ES" sz="1400" dirty="0" smtClean="0">
+                <a:solidFill>
+                  <a:schemeClr val="tx1"/>
+                </a:solidFill>
               </a:rPr>
-              <a:t>https://github.com/Domiciano/ProgramacionEnRed191/tree/master/Semana%203/TCPCLientServer</a:t>
-            </a:r>
-            <a:endParaRPr lang="es-CO" dirty="0"/>
-          </a:p>
-        </p:txBody>
-      </p:sp>
+              <a:t>Mensaje</a:t>
+            </a:r>
+            <a:endParaRPr lang="es-CO" dirty="0">
+              <a:solidFill>
+                <a:schemeClr val="tx1"/>
+              </a:solidFill>
+            </a:endParaRPr>
+          </a:p>
+        </p:txBody>
+      </p:sp>
+      <p:sp>
+        <p:nvSpPr>
+          <p:cNvPr id="13" name="Rectángulo 12"/>
+          <p:cNvSpPr/>
+          <p:nvPr/>
+        </p:nvSpPr>
+        <p:spPr>
+          <a:xfrm>
+            <a:off x="7460379" y="5264301"/>
+            <a:ext cx="885525" cy="240811"/>
+          </a:xfrm>
+          <a:prstGeom prst="rect">
+            <a:avLst/>
+          </a:prstGeom>
+          <a:solidFill>
+            <a:schemeClr val="bg1">
+              <a:lumMod val="95000"/>
+            </a:schemeClr>
+          </a:solidFill>
+          <a:ln>
+            <a:noFill/>
+          </a:ln>
+        </p:spPr>
+        <p:style>
+          <a:lnRef idx="2">
+            <a:schemeClr val="accent1">
+              <a:shade val="50000"/>
+            </a:schemeClr>
+          </a:lnRef>
+          <a:fillRef idx="1">
+            <a:schemeClr val="accent1"/>
+          </a:fillRef>
+          <a:effectRef idx="0">
+            <a:schemeClr val="accent1"/>
+          </a:effectRef>
+          <a:fontRef idx="minor">
+            <a:schemeClr val="lt1"/>
+          </a:fontRef>
+        </p:style>
+        <p:txBody>
+          <a:bodyPr rtlCol="0" anchor="ctr"/>
+          <a:lstStyle/>
+          <a:p>
+            <a:pPr algn="ctr"/>
+            <a:r>
+              <a:rPr lang="es-ES" sz="1400" dirty="0">
+                <a:solidFill>
+                  <a:schemeClr val="tx1"/>
+                </a:solidFill>
+              </a:rPr>
+              <a:t>Mensaje</a:t>
+            </a:r>
+            <a:endParaRPr lang="es-CO" sz="1400" dirty="0">
+              <a:solidFill>
+                <a:schemeClr val="tx1"/>
+              </a:solidFill>
+            </a:endParaRPr>
+          </a:p>
+        </p:txBody>
+      </p:sp>
+      <p:cxnSp>
+        <p:nvCxnSpPr>
+          <p:cNvPr id="16" name="Conector recto de flecha 15"/>
+          <p:cNvCxnSpPr>
+            <a:stCxn id="10" idx="0"/>
+            <a:endCxn id="9" idx="2"/>
+          </p:cNvCxnSpPr>
+          <p:nvPr/>
+        </p:nvCxnSpPr>
+        <p:spPr>
+          <a:xfrm flipV="1">
+            <a:off x="4668250" y="4705147"/>
+            <a:ext cx="2" cy="450780"/>
+          </a:xfrm>
+          <a:prstGeom prst="straightConnector1">
+            <a:avLst/>
+          </a:prstGeom>
+          <a:ln>
+            <a:tailEnd type="triangle"/>
+          </a:ln>
+        </p:spPr>
+        <p:style>
+          <a:lnRef idx="1">
+            <a:schemeClr val="accent1"/>
+          </a:lnRef>
+          <a:fillRef idx="0">
+            <a:schemeClr val="accent1"/>
+          </a:fillRef>
+          <a:effectRef idx="0">
+            <a:schemeClr val="accent1"/>
+          </a:effectRef>
+          <a:fontRef idx="minor">
+            <a:schemeClr val="tx1"/>
+          </a:fontRef>
+        </p:style>
+      </p:cxnSp>
+      <p:cxnSp>
+        <p:nvCxnSpPr>
+          <p:cNvPr id="19" name="Conector recto de flecha 18"/>
+          <p:cNvCxnSpPr>
+            <a:stCxn id="9" idx="0"/>
+            <a:endCxn id="4" idx="2"/>
+          </p:cNvCxnSpPr>
+          <p:nvPr/>
+        </p:nvCxnSpPr>
+        <p:spPr>
+          <a:xfrm flipV="1">
+            <a:off x="4668252" y="3792354"/>
+            <a:ext cx="1" cy="450780"/>
+          </a:xfrm>
+          <a:prstGeom prst="straightConnector1">
+            <a:avLst/>
+          </a:prstGeom>
+          <a:ln>
+            <a:tailEnd type="triangle"/>
+          </a:ln>
+        </p:spPr>
+        <p:style>
+          <a:lnRef idx="1">
+            <a:schemeClr val="accent1"/>
+          </a:lnRef>
+          <a:fillRef idx="0">
+            <a:schemeClr val="accent1"/>
+          </a:fillRef>
+          <a:effectRef idx="0">
+            <a:schemeClr val="accent1"/>
+          </a:effectRef>
+          <a:fontRef idx="minor">
+            <a:schemeClr val="tx1"/>
+          </a:fontRef>
+        </p:style>
+      </p:cxnSp>
+      <p:cxnSp>
+        <p:nvCxnSpPr>
+          <p:cNvPr id="22" name="Conector recto de flecha 21"/>
+          <p:cNvCxnSpPr>
+            <a:stCxn id="4" idx="3"/>
+            <a:endCxn id="5" idx="1"/>
+          </p:cNvCxnSpPr>
+          <p:nvPr/>
+        </p:nvCxnSpPr>
+        <p:spPr>
+          <a:xfrm flipV="1">
+            <a:off x="4899259" y="3561347"/>
+            <a:ext cx="489284" cy="1"/>
+          </a:xfrm>
+          <a:prstGeom prst="straightConnector1">
+            <a:avLst/>
+          </a:prstGeom>
+          <a:ln>
+            <a:tailEnd type="triangle"/>
+          </a:ln>
+        </p:spPr>
+        <p:style>
+          <a:lnRef idx="1">
+            <a:schemeClr val="accent1"/>
+          </a:lnRef>
+          <a:fillRef idx="0">
+            <a:schemeClr val="accent1"/>
+          </a:fillRef>
+          <a:effectRef idx="0">
+            <a:schemeClr val="accent1"/>
+          </a:effectRef>
+          <a:fontRef idx="minor">
+            <a:schemeClr val="tx1"/>
+          </a:fontRef>
+        </p:style>
+      </p:cxnSp>
+      <p:cxnSp>
+        <p:nvCxnSpPr>
+          <p:cNvPr id="25" name="Conector recto de flecha 24"/>
+          <p:cNvCxnSpPr/>
+          <p:nvPr/>
+        </p:nvCxnSpPr>
+        <p:spPr>
+          <a:xfrm flipV="1">
+            <a:off x="5850556" y="3546726"/>
+            <a:ext cx="489284" cy="1"/>
+          </a:xfrm>
+          <a:prstGeom prst="straightConnector1">
+            <a:avLst/>
+          </a:prstGeom>
+          <a:ln>
+            <a:tailEnd type="triangle"/>
+          </a:ln>
+        </p:spPr>
+        <p:style>
+          <a:lnRef idx="1">
+            <a:schemeClr val="accent1"/>
+          </a:lnRef>
+          <a:fillRef idx="0">
+            <a:schemeClr val="accent1"/>
+          </a:fillRef>
+          <a:effectRef idx="0">
+            <a:schemeClr val="accent1"/>
+          </a:effectRef>
+          <a:fontRef idx="minor">
+            <a:schemeClr val="tx1"/>
+          </a:fontRef>
+        </p:style>
+      </p:cxnSp>
+      <p:cxnSp>
+        <p:nvCxnSpPr>
+          <p:cNvPr id="26" name="Conector recto de flecha 25"/>
+          <p:cNvCxnSpPr/>
+          <p:nvPr/>
+        </p:nvCxnSpPr>
+        <p:spPr>
+          <a:xfrm flipV="1">
+            <a:off x="6801852" y="3546725"/>
+            <a:ext cx="489284" cy="1"/>
+          </a:xfrm>
+          <a:prstGeom prst="straightConnector1">
+            <a:avLst/>
+          </a:prstGeom>
+          <a:ln>
+            <a:tailEnd type="triangle"/>
+          </a:ln>
+        </p:spPr>
+        <p:style>
+          <a:lnRef idx="1">
+            <a:schemeClr val="accent1"/>
+          </a:lnRef>
+          <a:fillRef idx="0">
+            <a:schemeClr val="accent1"/>
+          </a:fillRef>
+          <a:effectRef idx="0">
+            <a:schemeClr val="accent1"/>
+          </a:effectRef>
+          <a:fontRef idx="minor">
+            <a:schemeClr val="tx1"/>
+          </a:fontRef>
+        </p:style>
+      </p:cxnSp>
+      <p:cxnSp>
+        <p:nvCxnSpPr>
+          <p:cNvPr id="27" name="Conector recto de flecha 26"/>
+          <p:cNvCxnSpPr>
+            <a:stCxn id="7" idx="2"/>
+            <a:endCxn id="8" idx="0"/>
+          </p:cNvCxnSpPr>
+          <p:nvPr/>
+        </p:nvCxnSpPr>
+        <p:spPr>
+          <a:xfrm>
+            <a:off x="7522144" y="3792351"/>
+            <a:ext cx="0" cy="450783"/>
+          </a:xfrm>
+          <a:prstGeom prst="straightConnector1">
+            <a:avLst/>
+          </a:prstGeom>
+          <a:ln>
+            <a:tailEnd type="triangle"/>
+          </a:ln>
+        </p:spPr>
+        <p:style>
+          <a:lnRef idx="1">
+            <a:schemeClr val="accent1"/>
+          </a:lnRef>
+          <a:fillRef idx="0">
+            <a:schemeClr val="accent1"/>
+          </a:fillRef>
+          <a:effectRef idx="0">
+            <a:schemeClr val="accent1"/>
+          </a:effectRef>
+          <a:fontRef idx="minor">
+            <a:schemeClr val="tx1"/>
+          </a:fontRef>
+        </p:style>
+      </p:cxnSp>
+      <p:cxnSp>
+        <p:nvCxnSpPr>
+          <p:cNvPr id="30" name="Conector recto de flecha 29"/>
+          <p:cNvCxnSpPr/>
+          <p:nvPr/>
+        </p:nvCxnSpPr>
+        <p:spPr>
+          <a:xfrm>
+            <a:off x="7522141" y="4705144"/>
+            <a:ext cx="0" cy="450783"/>
+          </a:xfrm>
+          <a:prstGeom prst="straightConnector1">
+            <a:avLst/>
+          </a:prstGeom>
+          <a:ln>
+            <a:tailEnd type="triangle"/>
+          </a:ln>
+        </p:spPr>
+        <p:style>
+          <a:lnRef idx="1">
+            <a:schemeClr val="accent1"/>
+          </a:lnRef>
+          <a:fillRef idx="0">
+            <a:schemeClr val="accent1"/>
+          </a:fillRef>
+          <a:effectRef idx="0">
+            <a:schemeClr val="accent1"/>
+          </a:effectRef>
+          <a:fontRef idx="minor">
+            <a:schemeClr val="tx1"/>
+          </a:fontRef>
+        </p:style>
+      </p:cxnSp>
     </p:spTree>
     <p:extLst>
       <p:ext uri="{BB962C8B-B14F-4D97-AF65-F5344CB8AC3E}">
-        <p14:creationId xmlns:p14="http://schemas.microsoft.com/office/powerpoint/2010/main" val="2965556459"/>
+        <p14:creationId xmlns:p14="http://schemas.microsoft.com/office/powerpoint/2010/main" val="3245003877"/>
       </p:ext>
     </p:extLst>
   </p:cSld>
@@ -32021,7 +32707,7 @@
           <a:p>
             <a:r>
               <a:rPr lang="es-ES" dirty="0" smtClean="0"/>
-              <a:t>Ejercicio en clase</a:t>
+              <a:t>Transferencia de archivos</a:t>
             </a:r>
             <a:endParaRPr lang="es-CO" dirty="0"/>
           </a:p>
@@ -32043,45 +32729,857 @@
           <a:lstStyle/>
           <a:p>
             <a:r>
-              <a:rPr lang="es-ES" b="1" i="1" dirty="0" smtClean="0"/>
-              <a:t>Cronometro en equipo</a:t>
-            </a:r>
-          </a:p>
-          <a:p>
-            <a:pPr lvl="1"/>
-            <a:r>
               <a:rPr lang="es-ES" dirty="0" smtClean="0"/>
-              <a:t>Haga equipo con un compañero y comunique, vía TCP, sus dos equipos para cronometrar segundos y minutos.</a:t>
-            </a:r>
-          </a:p>
-          <a:p>
-            <a:pPr lvl="1"/>
-            <a:endParaRPr lang="es-ES" dirty="0" smtClean="0"/>
-          </a:p>
-          <a:p>
-            <a:pPr lvl="1"/>
+              <a:t>Para la transferencia de archivos necesita</a:t>
+            </a:r>
+          </a:p>
+          <a:p>
+            <a:pPr marL="0" indent="0">
+              <a:buNone/>
+            </a:pPr>
+            <a:endParaRPr lang="es-CO" dirty="0"/>
+          </a:p>
+        </p:txBody>
+      </p:sp>
+      <p:sp>
+        <p:nvSpPr>
+          <p:cNvPr id="4" name="Rectángulo 3"/>
+          <p:cNvSpPr/>
+          <p:nvPr/>
+        </p:nvSpPr>
+        <p:spPr>
+          <a:xfrm>
+            <a:off x="2477729" y="2979174"/>
+            <a:ext cx="2241755" cy="2615381"/>
+          </a:xfrm>
+          <a:prstGeom prst="rect">
+            <a:avLst/>
+          </a:prstGeom>
+          <a:solidFill>
+            <a:schemeClr val="bg1">
+              <a:lumMod val="95000"/>
+            </a:schemeClr>
+          </a:solidFill>
+          <a:ln>
+            <a:solidFill>
+              <a:schemeClr val="tx1"/>
+            </a:solidFill>
+          </a:ln>
+        </p:spPr>
+        <p:style>
+          <a:lnRef idx="2">
+            <a:schemeClr val="accent1">
+              <a:shade val="50000"/>
+            </a:schemeClr>
+          </a:lnRef>
+          <a:fillRef idx="1">
+            <a:schemeClr val="accent1"/>
+          </a:fillRef>
+          <a:effectRef idx="0">
+            <a:schemeClr val="accent1"/>
+          </a:effectRef>
+          <a:fontRef idx="minor">
+            <a:schemeClr val="lt1"/>
+          </a:fontRef>
+        </p:style>
+        <p:txBody>
+          <a:bodyPr rtlCol="0" anchor="ctr"/>
+          <a:lstStyle/>
+          <a:p>
+            <a:pPr algn="ctr"/>
+            <a:r>
+              <a:rPr lang="es-ES" dirty="0" smtClean="0">
+                <a:solidFill>
+                  <a:schemeClr val="tx1"/>
+                </a:solidFill>
+              </a:rPr>
+              <a:t>A</a:t>
+            </a:r>
+          </a:p>
+          <a:p>
+            <a:pPr algn="ctr"/>
+            <a:endParaRPr lang="es-ES" dirty="0">
+              <a:solidFill>
+                <a:schemeClr val="tx1"/>
+              </a:solidFill>
+            </a:endParaRPr>
+          </a:p>
+          <a:p>
+            <a:pPr algn="ctr"/>
+            <a:endParaRPr lang="es-ES" dirty="0" smtClean="0">
+              <a:solidFill>
+                <a:schemeClr val="tx1"/>
+              </a:solidFill>
+            </a:endParaRPr>
+          </a:p>
+          <a:p>
+            <a:pPr algn="ctr"/>
+            <a:endParaRPr lang="es-ES" dirty="0">
+              <a:solidFill>
+                <a:schemeClr val="tx1"/>
+              </a:solidFill>
+            </a:endParaRPr>
+          </a:p>
+          <a:p>
+            <a:pPr algn="ctr"/>
+            <a:endParaRPr lang="es-ES" dirty="0" smtClean="0">
+              <a:solidFill>
+                <a:schemeClr val="tx1"/>
+              </a:solidFill>
+            </a:endParaRPr>
+          </a:p>
+          <a:p>
+            <a:pPr algn="ctr"/>
+            <a:endParaRPr lang="es-ES" dirty="0">
+              <a:solidFill>
+                <a:schemeClr val="tx1"/>
+              </a:solidFill>
+            </a:endParaRPr>
+          </a:p>
+          <a:p>
+            <a:pPr algn="ctr"/>
+            <a:endParaRPr lang="es-ES" dirty="0" smtClean="0">
+              <a:solidFill>
+                <a:schemeClr val="tx1"/>
+              </a:solidFill>
+            </a:endParaRPr>
+          </a:p>
+          <a:p>
+            <a:pPr algn="ctr"/>
+            <a:endParaRPr lang="es-ES" dirty="0">
+              <a:solidFill>
+                <a:schemeClr val="tx1"/>
+              </a:solidFill>
+            </a:endParaRPr>
+          </a:p>
+          <a:p>
+            <a:pPr algn="ctr"/>
+            <a:endParaRPr lang="es-CO" dirty="0">
+              <a:solidFill>
+                <a:schemeClr val="tx1"/>
+              </a:solidFill>
+            </a:endParaRPr>
+          </a:p>
+        </p:txBody>
+      </p:sp>
+      <p:sp>
+        <p:nvSpPr>
+          <p:cNvPr id="5" name="Rectángulo 4"/>
+          <p:cNvSpPr/>
+          <p:nvPr/>
+        </p:nvSpPr>
+        <p:spPr>
+          <a:xfrm>
+            <a:off x="7428271" y="2979174"/>
+            <a:ext cx="2241755" cy="2615381"/>
+          </a:xfrm>
+          <a:prstGeom prst="rect">
+            <a:avLst/>
+          </a:prstGeom>
+          <a:solidFill>
+            <a:schemeClr val="bg1">
+              <a:lumMod val="95000"/>
+            </a:schemeClr>
+          </a:solidFill>
+          <a:ln>
+            <a:solidFill>
+              <a:schemeClr val="tx1"/>
+            </a:solidFill>
+          </a:ln>
+        </p:spPr>
+        <p:style>
+          <a:lnRef idx="2">
+            <a:schemeClr val="accent1">
+              <a:shade val="50000"/>
+            </a:schemeClr>
+          </a:lnRef>
+          <a:fillRef idx="1">
+            <a:schemeClr val="accent1"/>
+          </a:fillRef>
+          <a:effectRef idx="0">
+            <a:schemeClr val="accent1"/>
+          </a:effectRef>
+          <a:fontRef idx="minor">
+            <a:schemeClr val="lt1"/>
+          </a:fontRef>
+        </p:style>
+        <p:txBody>
+          <a:bodyPr rtlCol="0" anchor="ctr"/>
+          <a:lstStyle/>
+          <a:p>
+            <a:pPr algn="ctr"/>
+            <a:r>
+              <a:rPr lang="es-ES" dirty="0" smtClean="0">
+                <a:solidFill>
+                  <a:schemeClr val="tx1"/>
+                </a:solidFill>
+              </a:rPr>
+              <a:t>B</a:t>
+            </a:r>
+          </a:p>
+          <a:p>
+            <a:pPr algn="ctr"/>
+            <a:endParaRPr lang="es-ES" dirty="0">
+              <a:solidFill>
+                <a:schemeClr val="tx1"/>
+              </a:solidFill>
+            </a:endParaRPr>
+          </a:p>
+          <a:p>
+            <a:pPr algn="ctr"/>
+            <a:endParaRPr lang="es-ES" dirty="0" smtClean="0">
+              <a:solidFill>
+                <a:schemeClr val="tx1"/>
+              </a:solidFill>
+            </a:endParaRPr>
+          </a:p>
+          <a:p>
+            <a:pPr algn="ctr"/>
+            <a:endParaRPr lang="es-ES" dirty="0">
+              <a:solidFill>
+                <a:schemeClr val="tx1"/>
+              </a:solidFill>
+            </a:endParaRPr>
+          </a:p>
+          <a:p>
+            <a:pPr algn="ctr"/>
+            <a:endParaRPr lang="es-ES" dirty="0" smtClean="0">
+              <a:solidFill>
+                <a:schemeClr val="tx1"/>
+              </a:solidFill>
+            </a:endParaRPr>
+          </a:p>
+          <a:p>
+            <a:pPr algn="ctr"/>
+            <a:endParaRPr lang="es-ES" dirty="0">
+              <a:solidFill>
+                <a:schemeClr val="tx1"/>
+              </a:solidFill>
+            </a:endParaRPr>
+          </a:p>
+          <a:p>
+            <a:pPr algn="ctr"/>
+            <a:endParaRPr lang="es-ES" dirty="0" smtClean="0">
+              <a:solidFill>
+                <a:schemeClr val="tx1"/>
+              </a:solidFill>
+            </a:endParaRPr>
+          </a:p>
+          <a:p>
+            <a:pPr algn="ctr"/>
+            <a:endParaRPr lang="es-ES" dirty="0">
+              <a:solidFill>
+                <a:schemeClr val="tx1"/>
+              </a:solidFill>
+            </a:endParaRPr>
+          </a:p>
+          <a:p>
+            <a:pPr algn="ctr"/>
+            <a:endParaRPr lang="es-CO" dirty="0">
+              <a:solidFill>
+                <a:schemeClr val="tx1"/>
+              </a:solidFill>
+            </a:endParaRPr>
+          </a:p>
+        </p:txBody>
+      </p:sp>
+      <p:sp>
+        <p:nvSpPr>
+          <p:cNvPr id="6" name="Rectángulo 5"/>
+          <p:cNvSpPr/>
+          <p:nvPr/>
+        </p:nvSpPr>
+        <p:spPr>
+          <a:xfrm rot="16200000">
+            <a:off x="2556388" y="4940329"/>
+            <a:ext cx="639096" cy="304800"/>
+          </a:xfrm>
+          <a:prstGeom prst="rect">
+            <a:avLst/>
+          </a:prstGeom>
+        </p:spPr>
+        <p:style>
+          <a:lnRef idx="2">
+            <a:schemeClr val="accent1">
+              <a:shade val="50000"/>
+            </a:schemeClr>
+          </a:lnRef>
+          <a:fillRef idx="1">
+            <a:schemeClr val="accent1"/>
+          </a:fillRef>
+          <a:effectRef idx="0">
+            <a:schemeClr val="accent1"/>
+          </a:effectRef>
+          <a:fontRef idx="minor">
+            <a:schemeClr val="lt1"/>
+          </a:fontRef>
+        </p:style>
+        <p:txBody>
+          <a:bodyPr rtlCol="0" anchor="ctr"/>
+          <a:lstStyle/>
+          <a:p>
+            <a:pPr algn="ctr"/>
             <a:r>
               <a:rPr lang="es-ES" dirty="0" smtClean="0"/>
-              <a:t>Seleccionen a alguien que comience con la cuenta.</a:t>
-            </a:r>
-          </a:p>
-          <a:p>
-            <a:pPr lvl="1"/>
-            <a:endParaRPr lang="es-ES" dirty="0" smtClean="0"/>
-          </a:p>
-          <a:p>
-            <a:pPr lvl="1"/>
+              <a:t>FILE</a:t>
+            </a:r>
+            <a:endParaRPr lang="es-CO" dirty="0"/>
+          </a:p>
+        </p:txBody>
+      </p:sp>
+      <p:sp>
+        <p:nvSpPr>
+          <p:cNvPr id="7" name="Rectángulo 6"/>
+          <p:cNvSpPr/>
+          <p:nvPr/>
+        </p:nvSpPr>
+        <p:spPr>
+          <a:xfrm rot="16200000">
+            <a:off x="8952272" y="4940329"/>
+            <a:ext cx="639096" cy="304800"/>
+          </a:xfrm>
+          <a:prstGeom prst="rect">
+            <a:avLst/>
+          </a:prstGeom>
+          <a:ln>
+            <a:prstDash val="dash"/>
+          </a:ln>
+        </p:spPr>
+        <p:style>
+          <a:lnRef idx="2">
+            <a:schemeClr val="accent1">
+              <a:shade val="50000"/>
+            </a:schemeClr>
+          </a:lnRef>
+          <a:fillRef idx="1">
+            <a:schemeClr val="accent1"/>
+          </a:fillRef>
+          <a:effectRef idx="0">
+            <a:schemeClr val="accent1"/>
+          </a:effectRef>
+          <a:fontRef idx="minor">
+            <a:schemeClr val="lt1"/>
+          </a:fontRef>
+        </p:style>
+        <p:txBody>
+          <a:bodyPr rtlCol="0" anchor="ctr"/>
+          <a:lstStyle/>
+          <a:p>
+            <a:pPr algn="ctr"/>
             <a:r>
               <a:rPr lang="es-ES" dirty="0" smtClean="0"/>
-              <a:t>El computador A cronometra un segundo, le avisar al computador B. El computador B sigue la cuenta con otro segundo y cuando termina, éste le avisa al PC A para seguir con la cuenta, así sucesivamente.</a:t>
-            </a:r>
-          </a:p>
-        </p:txBody>
-      </p:sp>
+              <a:t>FILE</a:t>
+            </a:r>
+            <a:endParaRPr lang="es-CO" dirty="0"/>
+          </a:p>
+        </p:txBody>
+      </p:sp>
+      <p:cxnSp>
+        <p:nvCxnSpPr>
+          <p:cNvPr id="9" name="Conector recto de flecha 8"/>
+          <p:cNvCxnSpPr>
+            <a:stCxn id="4" idx="3"/>
+            <a:endCxn id="11" idx="2"/>
+          </p:cNvCxnSpPr>
+          <p:nvPr/>
+        </p:nvCxnSpPr>
+        <p:spPr>
+          <a:xfrm flipV="1">
+            <a:off x="4719484" y="4286863"/>
+            <a:ext cx="2521974" cy="2"/>
+          </a:xfrm>
+          <a:prstGeom prst="straightConnector1">
+            <a:avLst/>
+          </a:prstGeom>
+          <a:ln>
+            <a:solidFill>
+              <a:schemeClr val="tx1"/>
+            </a:solidFill>
+            <a:tailEnd type="triangle"/>
+          </a:ln>
+        </p:spPr>
+        <p:style>
+          <a:lnRef idx="1">
+            <a:schemeClr val="accent1"/>
+          </a:lnRef>
+          <a:fillRef idx="0">
+            <a:schemeClr val="accent1"/>
+          </a:fillRef>
+          <a:effectRef idx="0">
+            <a:schemeClr val="accent1"/>
+          </a:effectRef>
+          <a:fontRef idx="minor">
+            <a:schemeClr val="tx1"/>
+          </a:fontRef>
+        </p:style>
+      </p:cxnSp>
+      <p:sp>
+        <p:nvSpPr>
+          <p:cNvPr id="10" name="Elipse 9"/>
+          <p:cNvSpPr/>
+          <p:nvPr/>
+        </p:nvSpPr>
+        <p:spPr>
+          <a:xfrm>
+            <a:off x="4537587" y="4104967"/>
+            <a:ext cx="363793" cy="363793"/>
+          </a:xfrm>
+          <a:prstGeom prst="ellipse">
+            <a:avLst/>
+          </a:prstGeom>
+          <a:solidFill>
+            <a:schemeClr val="tx1"/>
+          </a:solidFill>
+          <a:ln>
+            <a:solidFill>
+              <a:schemeClr val="tx1"/>
+            </a:solidFill>
+          </a:ln>
+        </p:spPr>
+        <p:style>
+          <a:lnRef idx="2">
+            <a:schemeClr val="accent1">
+              <a:shade val="50000"/>
+            </a:schemeClr>
+          </a:lnRef>
+          <a:fillRef idx="1">
+            <a:schemeClr val="accent1"/>
+          </a:fillRef>
+          <a:effectRef idx="0">
+            <a:schemeClr val="accent1"/>
+          </a:effectRef>
+          <a:fontRef idx="minor">
+            <a:schemeClr val="lt1"/>
+          </a:fontRef>
+        </p:style>
+        <p:txBody>
+          <a:bodyPr rtlCol="0" anchor="ctr"/>
+          <a:lstStyle/>
+          <a:p>
+            <a:pPr algn="ctr"/>
+            <a:endParaRPr lang="es-CO"/>
+          </a:p>
+        </p:txBody>
+      </p:sp>
+      <p:sp>
+        <p:nvSpPr>
+          <p:cNvPr id="11" name="Elipse 10"/>
+          <p:cNvSpPr/>
+          <p:nvPr/>
+        </p:nvSpPr>
+        <p:spPr>
+          <a:xfrm>
+            <a:off x="7241458" y="4104966"/>
+            <a:ext cx="363793" cy="363793"/>
+          </a:xfrm>
+          <a:prstGeom prst="ellipse">
+            <a:avLst/>
+          </a:prstGeom>
+          <a:solidFill>
+            <a:schemeClr val="tx1"/>
+          </a:solidFill>
+          <a:ln>
+            <a:solidFill>
+              <a:schemeClr val="tx1"/>
+            </a:solidFill>
+          </a:ln>
+        </p:spPr>
+        <p:style>
+          <a:lnRef idx="2">
+            <a:schemeClr val="accent1">
+              <a:shade val="50000"/>
+            </a:schemeClr>
+          </a:lnRef>
+          <a:fillRef idx="1">
+            <a:schemeClr val="accent1"/>
+          </a:fillRef>
+          <a:effectRef idx="0">
+            <a:schemeClr val="accent1"/>
+          </a:effectRef>
+          <a:fontRef idx="minor">
+            <a:schemeClr val="lt1"/>
+          </a:fontRef>
+        </p:style>
+        <p:txBody>
+          <a:bodyPr rtlCol="0" anchor="ctr"/>
+          <a:lstStyle/>
+          <a:p>
+            <a:pPr algn="ctr"/>
+            <a:endParaRPr lang="es-CO"/>
+          </a:p>
+        </p:txBody>
+      </p:sp>
+      <p:sp>
+        <p:nvSpPr>
+          <p:cNvPr id="13" name="CuadroTexto 12"/>
+          <p:cNvSpPr txBox="1"/>
+          <p:nvPr/>
+        </p:nvSpPr>
+        <p:spPr>
+          <a:xfrm>
+            <a:off x="2455608" y="3615876"/>
+            <a:ext cx="1543664" cy="369332"/>
+          </a:xfrm>
+          <a:prstGeom prst="rect">
+            <a:avLst/>
+          </a:prstGeom>
+          <a:noFill/>
+        </p:spPr>
+        <p:txBody>
+          <a:bodyPr wrap="square" rtlCol="0">
+            <a:spAutoFit/>
+          </a:bodyPr>
+          <a:lstStyle/>
+          <a:p>
+            <a:r>
+              <a:rPr lang="es-ES" dirty="0" err="1" smtClean="0"/>
+              <a:t>InputStream</a:t>
+            </a:r>
+            <a:endParaRPr lang="es-CO" dirty="0"/>
+          </a:p>
+        </p:txBody>
+      </p:sp>
+      <p:sp>
+        <p:nvSpPr>
+          <p:cNvPr id="14" name="CuadroTexto 13"/>
+          <p:cNvSpPr txBox="1"/>
+          <p:nvPr/>
+        </p:nvSpPr>
+        <p:spPr>
+          <a:xfrm>
+            <a:off x="4689496" y="3507657"/>
+            <a:ext cx="1543664" cy="369332"/>
+          </a:xfrm>
+          <a:prstGeom prst="rect">
+            <a:avLst/>
+          </a:prstGeom>
+          <a:noFill/>
+        </p:spPr>
+        <p:txBody>
+          <a:bodyPr wrap="square" rtlCol="0">
+            <a:spAutoFit/>
+          </a:bodyPr>
+          <a:lstStyle/>
+          <a:p>
+            <a:r>
+              <a:rPr lang="es-ES" dirty="0" err="1" smtClean="0"/>
+              <a:t>OutputStream</a:t>
+            </a:r>
+            <a:endParaRPr lang="es-CO" dirty="0"/>
+          </a:p>
+        </p:txBody>
+      </p:sp>
+      <p:sp>
+        <p:nvSpPr>
+          <p:cNvPr id="15" name="CuadroTexto 14"/>
+          <p:cNvSpPr txBox="1"/>
+          <p:nvPr/>
+        </p:nvSpPr>
+        <p:spPr>
+          <a:xfrm>
+            <a:off x="6096491" y="4392467"/>
+            <a:ext cx="1543664" cy="369332"/>
+          </a:xfrm>
+          <a:prstGeom prst="rect">
+            <a:avLst/>
+          </a:prstGeom>
+          <a:noFill/>
+        </p:spPr>
+        <p:txBody>
+          <a:bodyPr wrap="square" rtlCol="0">
+            <a:spAutoFit/>
+          </a:bodyPr>
+          <a:lstStyle/>
+          <a:p>
+            <a:r>
+              <a:rPr lang="es-ES" dirty="0" err="1" smtClean="0"/>
+              <a:t>InputStream</a:t>
+            </a:r>
+            <a:endParaRPr lang="es-CO" dirty="0"/>
+          </a:p>
+        </p:txBody>
+      </p:sp>
+      <p:sp>
+        <p:nvSpPr>
+          <p:cNvPr id="16" name="CuadroTexto 15"/>
+          <p:cNvSpPr txBox="1"/>
+          <p:nvPr/>
+        </p:nvSpPr>
+        <p:spPr>
+          <a:xfrm>
+            <a:off x="8170115" y="3496779"/>
+            <a:ext cx="1543664" cy="369332"/>
+          </a:xfrm>
+          <a:prstGeom prst="rect">
+            <a:avLst/>
+          </a:prstGeom>
+          <a:noFill/>
+        </p:spPr>
+        <p:txBody>
+          <a:bodyPr wrap="square" rtlCol="0">
+            <a:spAutoFit/>
+          </a:bodyPr>
+          <a:lstStyle/>
+          <a:p>
+            <a:r>
+              <a:rPr lang="es-ES" dirty="0" err="1" smtClean="0"/>
+              <a:t>OutputStream</a:t>
+            </a:r>
+            <a:endParaRPr lang="es-CO" dirty="0"/>
+          </a:p>
+        </p:txBody>
+      </p:sp>
+      <p:sp>
+        <p:nvSpPr>
+          <p:cNvPr id="17" name="Elipse 16"/>
+          <p:cNvSpPr/>
+          <p:nvPr/>
+        </p:nvSpPr>
+        <p:spPr>
+          <a:xfrm>
+            <a:off x="2688140" y="4104965"/>
+            <a:ext cx="363793" cy="363793"/>
+          </a:xfrm>
+          <a:prstGeom prst="ellipse">
+            <a:avLst/>
+          </a:prstGeom>
+          <a:solidFill>
+            <a:schemeClr val="tx1"/>
+          </a:solidFill>
+          <a:ln>
+            <a:solidFill>
+              <a:schemeClr val="tx1"/>
+            </a:solidFill>
+          </a:ln>
+        </p:spPr>
+        <p:style>
+          <a:lnRef idx="2">
+            <a:schemeClr val="accent1">
+              <a:shade val="50000"/>
+            </a:schemeClr>
+          </a:lnRef>
+          <a:fillRef idx="1">
+            <a:schemeClr val="accent1"/>
+          </a:fillRef>
+          <a:effectRef idx="0">
+            <a:schemeClr val="accent1"/>
+          </a:effectRef>
+          <a:fontRef idx="minor">
+            <a:schemeClr val="lt1"/>
+          </a:fontRef>
+        </p:style>
+        <p:txBody>
+          <a:bodyPr rtlCol="0" anchor="ctr"/>
+          <a:lstStyle/>
+          <a:p>
+            <a:pPr algn="ctr"/>
+            <a:endParaRPr lang="es-CO"/>
+          </a:p>
+        </p:txBody>
+      </p:sp>
+      <p:sp>
+        <p:nvSpPr>
+          <p:cNvPr id="18" name="Elipse 17"/>
+          <p:cNvSpPr/>
+          <p:nvPr/>
+        </p:nvSpPr>
+        <p:spPr>
+          <a:xfrm>
+            <a:off x="9089923" y="4104964"/>
+            <a:ext cx="363793" cy="363793"/>
+          </a:xfrm>
+          <a:prstGeom prst="ellipse">
+            <a:avLst/>
+          </a:prstGeom>
+          <a:solidFill>
+            <a:schemeClr val="tx1"/>
+          </a:solidFill>
+          <a:ln>
+            <a:solidFill>
+              <a:schemeClr val="tx1"/>
+            </a:solidFill>
+          </a:ln>
+        </p:spPr>
+        <p:style>
+          <a:lnRef idx="2">
+            <a:schemeClr val="accent1">
+              <a:shade val="50000"/>
+            </a:schemeClr>
+          </a:lnRef>
+          <a:fillRef idx="1">
+            <a:schemeClr val="accent1"/>
+          </a:fillRef>
+          <a:effectRef idx="0">
+            <a:schemeClr val="accent1"/>
+          </a:effectRef>
+          <a:fontRef idx="minor">
+            <a:schemeClr val="lt1"/>
+          </a:fontRef>
+        </p:style>
+        <p:txBody>
+          <a:bodyPr rtlCol="0" anchor="ctr"/>
+          <a:lstStyle/>
+          <a:p>
+            <a:pPr algn="ctr"/>
+            <a:endParaRPr lang="es-CO"/>
+          </a:p>
+        </p:txBody>
+      </p:sp>
+      <p:cxnSp>
+        <p:nvCxnSpPr>
+          <p:cNvPr id="20" name="Conector recto de flecha 19"/>
+          <p:cNvCxnSpPr>
+            <a:stCxn id="17" idx="6"/>
+          </p:cNvCxnSpPr>
+          <p:nvPr/>
+        </p:nvCxnSpPr>
+        <p:spPr>
+          <a:xfrm flipV="1">
+            <a:off x="3051933" y="4286861"/>
+            <a:ext cx="1480738" cy="1"/>
+          </a:xfrm>
+          <a:prstGeom prst="straightConnector1">
+            <a:avLst/>
+          </a:prstGeom>
+          <a:ln>
+            <a:solidFill>
+              <a:schemeClr val="tx1"/>
+            </a:solidFill>
+            <a:tailEnd type="triangle"/>
+          </a:ln>
+        </p:spPr>
+        <p:style>
+          <a:lnRef idx="1">
+            <a:schemeClr val="accent1"/>
+          </a:lnRef>
+          <a:fillRef idx="0">
+            <a:schemeClr val="accent1"/>
+          </a:fillRef>
+          <a:effectRef idx="0">
+            <a:schemeClr val="accent1"/>
+          </a:effectRef>
+          <a:fontRef idx="minor">
+            <a:schemeClr val="tx1"/>
+          </a:fontRef>
+        </p:style>
+      </p:cxnSp>
+      <p:cxnSp>
+        <p:nvCxnSpPr>
+          <p:cNvPr id="22" name="Conector recto de flecha 21"/>
+          <p:cNvCxnSpPr>
+            <a:stCxn id="6" idx="3"/>
+            <a:endCxn id="17" idx="4"/>
+          </p:cNvCxnSpPr>
+          <p:nvPr/>
+        </p:nvCxnSpPr>
+        <p:spPr>
+          <a:xfrm flipH="1" flipV="1">
+            <a:off x="2870037" y="4468758"/>
+            <a:ext cx="5899" cy="304423"/>
+          </a:xfrm>
+          <a:prstGeom prst="straightConnector1">
+            <a:avLst/>
+          </a:prstGeom>
+          <a:ln>
+            <a:solidFill>
+              <a:schemeClr val="tx1"/>
+            </a:solidFill>
+            <a:tailEnd type="triangle"/>
+          </a:ln>
+        </p:spPr>
+        <p:style>
+          <a:lnRef idx="1">
+            <a:schemeClr val="accent1"/>
+          </a:lnRef>
+          <a:fillRef idx="0">
+            <a:schemeClr val="accent1"/>
+          </a:fillRef>
+          <a:effectRef idx="0">
+            <a:schemeClr val="accent1"/>
+          </a:effectRef>
+          <a:fontRef idx="minor">
+            <a:schemeClr val="tx1"/>
+          </a:fontRef>
+        </p:style>
+      </p:cxnSp>
+      <p:cxnSp>
+        <p:nvCxnSpPr>
+          <p:cNvPr id="23" name="Conector recto de flecha 22"/>
+          <p:cNvCxnSpPr/>
+          <p:nvPr/>
+        </p:nvCxnSpPr>
+        <p:spPr>
+          <a:xfrm flipV="1">
+            <a:off x="7604269" y="4301603"/>
+            <a:ext cx="1480738" cy="1"/>
+          </a:xfrm>
+          <a:prstGeom prst="straightConnector1">
+            <a:avLst/>
+          </a:prstGeom>
+          <a:ln>
+            <a:solidFill>
+              <a:schemeClr val="tx1"/>
+            </a:solidFill>
+            <a:tailEnd type="triangle"/>
+          </a:ln>
+        </p:spPr>
+        <p:style>
+          <a:lnRef idx="1">
+            <a:schemeClr val="accent1"/>
+          </a:lnRef>
+          <a:fillRef idx="0">
+            <a:schemeClr val="accent1"/>
+          </a:fillRef>
+          <a:effectRef idx="0">
+            <a:schemeClr val="accent1"/>
+          </a:effectRef>
+          <a:fontRef idx="minor">
+            <a:schemeClr val="tx1"/>
+          </a:fontRef>
+        </p:style>
+      </p:cxnSp>
+      <p:cxnSp>
+        <p:nvCxnSpPr>
+          <p:cNvPr id="24" name="Conector recto de flecha 23"/>
+          <p:cNvCxnSpPr>
+            <a:endCxn id="7" idx="3"/>
+          </p:cNvCxnSpPr>
+          <p:nvPr/>
+        </p:nvCxnSpPr>
+        <p:spPr>
+          <a:xfrm>
+            <a:off x="9266903" y="4468758"/>
+            <a:ext cx="4917" cy="304423"/>
+          </a:xfrm>
+          <a:prstGeom prst="straightConnector1">
+            <a:avLst/>
+          </a:prstGeom>
+          <a:ln>
+            <a:solidFill>
+              <a:schemeClr val="tx1"/>
+            </a:solidFill>
+            <a:tailEnd type="triangle"/>
+          </a:ln>
+        </p:spPr>
+        <p:style>
+          <a:lnRef idx="1">
+            <a:schemeClr val="accent1"/>
+          </a:lnRef>
+          <a:fillRef idx="0">
+            <a:schemeClr val="accent1"/>
+          </a:fillRef>
+          <a:effectRef idx="0">
+            <a:schemeClr val="accent1"/>
+          </a:effectRef>
+          <a:fontRef idx="minor">
+            <a:schemeClr val="tx1"/>
+          </a:fontRef>
+        </p:style>
+      </p:cxnSp>
     </p:spTree>
     <p:extLst>
       <p:ext uri="{BB962C8B-B14F-4D97-AF65-F5344CB8AC3E}">
-        <p14:creationId xmlns:p14="http://schemas.microsoft.com/office/powerpoint/2010/main" val="1629434022"/>
+        <p14:creationId xmlns:p14="http://schemas.microsoft.com/office/powerpoint/2010/main" val="1854274928"/>
       </p:ext>
     </p:extLst>
   </p:cSld>
@@ -32132,7 +33630,7 @@
           <a:p>
             <a:r>
               <a:rPr lang="es-ES" dirty="0" smtClean="0"/>
-              <a:t>Taller grupal</a:t>
+              <a:t>Ejercicio</a:t>
             </a:r>
             <a:endParaRPr lang="es-CO" dirty="0"/>
           </a:p>
@@ -32148,712 +33646,114 @@
             <p:ph idx="1"/>
           </p:nvPr>
         </p:nvSpPr>
-        <p:spPr/>
-        <p:txBody>
-          <a:bodyPr/>
-          <a:lstStyle/>
-          <a:p>
-            <a:r>
-              <a:rPr lang="es-ES" b="1" i="1" dirty="0" smtClean="0"/>
-              <a:t>Teléfono roto</a:t>
-            </a:r>
-          </a:p>
+        <p:spPr>
+          <a:xfrm>
+            <a:off x="4148230" y="2625978"/>
+            <a:ext cx="6313293" cy="2526127"/>
+          </a:xfrm>
+        </p:spPr>
+        <p:txBody>
+          <a:bodyPr>
+            <a:normAutofit fontScale="92500" lnSpcReduction="10000"/>
+          </a:bodyPr>
+          <a:lstStyle/>
           <a:p>
             <a:r>
               <a:rPr lang="es-ES" dirty="0" smtClean="0"/>
-              <a:t>Seleccionen un mensaje y transmítanlo de forma que pase por cada uno de los computadores.</a:t>
+              <a:t>Implemente la conexión </a:t>
+            </a:r>
+            <a:r>
+              <a:rPr lang="es-ES" dirty="0" err="1" smtClean="0"/>
+              <a:t>Singleton</a:t>
+            </a:r>
+            <a:r>
+              <a:rPr lang="es-ES" dirty="0" smtClean="0"/>
+              <a:t> del cliente. </a:t>
+            </a:r>
+          </a:p>
+          <a:p>
+            <a:endParaRPr lang="es-ES" dirty="0" smtClean="0"/>
+          </a:p>
+          <a:p>
+            <a:r>
+              <a:rPr lang="es-ES" dirty="0" smtClean="0"/>
+              <a:t>Pruebe el envío de mensajes usando el servidor </a:t>
+            </a:r>
+            <a:r>
+              <a:rPr lang="es-ES" dirty="0" err="1" smtClean="0"/>
+              <a:t>Singleton</a:t>
+            </a:r>
+            <a:r>
+              <a:rPr lang="es-ES" dirty="0" smtClean="0"/>
+              <a:t> y el cliente </a:t>
+            </a:r>
+            <a:r>
+              <a:rPr lang="es-ES" dirty="0" err="1" smtClean="0"/>
+              <a:t>Singleton</a:t>
+            </a:r>
+            <a:endParaRPr lang="es-ES" dirty="0" smtClean="0"/>
+          </a:p>
+          <a:p>
+            <a:endParaRPr lang="es-ES" dirty="0"/>
+          </a:p>
+          <a:p>
+            <a:r>
+              <a:rPr lang="es-ES" dirty="0" smtClean="0"/>
+              <a:t>Haga que el servidor TCP sea capaz de mantenerse disponible a pesar que ya haya terminado una sesión con </a:t>
+            </a:r>
+            <a:r>
+              <a:rPr lang="es-ES" smtClean="0"/>
+              <a:t>un cliente.</a:t>
             </a:r>
             <a:endParaRPr lang="es-CO" dirty="0"/>
           </a:p>
         </p:txBody>
       </p:sp>
-      <p:sp>
-        <p:nvSpPr>
-          <p:cNvPr id="4" name="Rectángulo 3"/>
-          <p:cNvSpPr/>
-          <p:nvPr/>
-        </p:nvSpPr>
-        <p:spPr>
-          <a:xfrm>
-            <a:off x="4437246" y="3330341"/>
-            <a:ext cx="462013" cy="462013"/>
-          </a:xfrm>
-          <a:prstGeom prst="rect">
-            <a:avLst/>
-          </a:prstGeom>
-        </p:spPr>
-        <p:style>
-          <a:lnRef idx="2">
-            <a:schemeClr val="accent1">
-              <a:shade val="50000"/>
-            </a:schemeClr>
-          </a:lnRef>
-          <a:fillRef idx="1">
-            <a:schemeClr val="accent1"/>
-          </a:fillRef>
-          <a:effectRef idx="0">
-            <a:schemeClr val="accent1"/>
-          </a:effectRef>
-          <a:fontRef idx="minor">
-            <a:schemeClr val="lt1"/>
-          </a:fontRef>
-        </p:style>
-        <p:txBody>
-          <a:bodyPr rtlCol="0" anchor="ctr"/>
-          <a:lstStyle/>
-          <a:p>
-            <a:pPr algn="ctr"/>
-            <a:endParaRPr lang="es-CO"/>
-          </a:p>
-        </p:txBody>
-      </p:sp>
-      <p:sp>
-        <p:nvSpPr>
-          <p:cNvPr id="5" name="Rectángulo 4"/>
-          <p:cNvSpPr/>
-          <p:nvPr/>
-        </p:nvSpPr>
-        <p:spPr>
-          <a:xfrm>
-            <a:off x="5388543" y="3330340"/>
-            <a:ext cx="462013" cy="462013"/>
-          </a:xfrm>
-          <a:prstGeom prst="rect">
-            <a:avLst/>
-          </a:prstGeom>
-        </p:spPr>
-        <p:style>
-          <a:lnRef idx="2">
-            <a:schemeClr val="accent1">
-              <a:shade val="50000"/>
-            </a:schemeClr>
-          </a:lnRef>
-          <a:fillRef idx="1">
-            <a:schemeClr val="accent1"/>
-          </a:fillRef>
-          <a:effectRef idx="0">
-            <a:schemeClr val="accent1"/>
-          </a:effectRef>
-          <a:fontRef idx="minor">
-            <a:schemeClr val="lt1"/>
-          </a:fontRef>
-        </p:style>
-        <p:txBody>
-          <a:bodyPr rtlCol="0" anchor="ctr"/>
-          <a:lstStyle/>
-          <a:p>
-            <a:pPr algn="ctr"/>
-            <a:endParaRPr lang="es-CO"/>
-          </a:p>
-        </p:txBody>
-      </p:sp>
-      <p:sp>
-        <p:nvSpPr>
-          <p:cNvPr id="6" name="Rectángulo 5"/>
-          <p:cNvSpPr/>
-          <p:nvPr/>
-        </p:nvSpPr>
-        <p:spPr>
-          <a:xfrm>
-            <a:off x="6339840" y="3330339"/>
-            <a:ext cx="462013" cy="462013"/>
-          </a:xfrm>
-          <a:prstGeom prst="rect">
-            <a:avLst/>
-          </a:prstGeom>
-        </p:spPr>
-        <p:style>
-          <a:lnRef idx="2">
-            <a:schemeClr val="accent1">
-              <a:shade val="50000"/>
-            </a:schemeClr>
-          </a:lnRef>
-          <a:fillRef idx="1">
-            <a:schemeClr val="accent1"/>
-          </a:fillRef>
-          <a:effectRef idx="0">
-            <a:schemeClr val="accent1"/>
-          </a:effectRef>
-          <a:fontRef idx="minor">
-            <a:schemeClr val="lt1"/>
-          </a:fontRef>
-        </p:style>
-        <p:txBody>
-          <a:bodyPr rtlCol="0" anchor="ctr"/>
-          <a:lstStyle/>
-          <a:p>
-            <a:pPr algn="ctr"/>
-            <a:endParaRPr lang="es-CO"/>
-          </a:p>
-        </p:txBody>
-      </p:sp>
-      <p:sp>
-        <p:nvSpPr>
-          <p:cNvPr id="7" name="Rectángulo 6"/>
-          <p:cNvSpPr/>
-          <p:nvPr/>
-        </p:nvSpPr>
-        <p:spPr>
-          <a:xfrm>
-            <a:off x="7291137" y="3330338"/>
-            <a:ext cx="462013" cy="462013"/>
-          </a:xfrm>
-          <a:prstGeom prst="rect">
-            <a:avLst/>
-          </a:prstGeom>
-        </p:spPr>
-        <p:style>
-          <a:lnRef idx="2">
-            <a:schemeClr val="accent1">
-              <a:shade val="50000"/>
-            </a:schemeClr>
-          </a:lnRef>
-          <a:fillRef idx="1">
-            <a:schemeClr val="accent1"/>
-          </a:fillRef>
-          <a:effectRef idx="0">
-            <a:schemeClr val="accent1"/>
-          </a:effectRef>
-          <a:fontRef idx="minor">
-            <a:schemeClr val="lt1"/>
-          </a:fontRef>
-        </p:style>
-        <p:txBody>
-          <a:bodyPr rtlCol="0" anchor="ctr"/>
-          <a:lstStyle/>
-          <a:p>
-            <a:pPr algn="ctr"/>
-            <a:endParaRPr lang="es-CO"/>
-          </a:p>
-        </p:txBody>
-      </p:sp>
-      <p:sp>
-        <p:nvSpPr>
-          <p:cNvPr id="8" name="Rectángulo 7"/>
-          <p:cNvSpPr/>
-          <p:nvPr/>
-        </p:nvSpPr>
-        <p:spPr>
-          <a:xfrm>
-            <a:off x="7291137" y="4243134"/>
-            <a:ext cx="462013" cy="462013"/>
-          </a:xfrm>
-          <a:prstGeom prst="rect">
-            <a:avLst/>
-          </a:prstGeom>
-        </p:spPr>
-        <p:style>
-          <a:lnRef idx="2">
-            <a:schemeClr val="accent1">
-              <a:shade val="50000"/>
-            </a:schemeClr>
-          </a:lnRef>
-          <a:fillRef idx="1">
-            <a:schemeClr val="accent1"/>
-          </a:fillRef>
-          <a:effectRef idx="0">
-            <a:schemeClr val="accent1"/>
-          </a:effectRef>
-          <a:fontRef idx="minor">
-            <a:schemeClr val="lt1"/>
-          </a:fontRef>
-        </p:style>
-        <p:txBody>
-          <a:bodyPr rtlCol="0" anchor="ctr"/>
-          <a:lstStyle/>
-          <a:p>
-            <a:pPr algn="ctr"/>
-            <a:endParaRPr lang="es-CO"/>
-          </a:p>
-        </p:txBody>
-      </p:sp>
-      <p:sp>
-        <p:nvSpPr>
-          <p:cNvPr id="9" name="Rectángulo 8"/>
-          <p:cNvSpPr/>
-          <p:nvPr/>
-        </p:nvSpPr>
-        <p:spPr>
-          <a:xfrm>
-            <a:off x="4437245" y="4243134"/>
-            <a:ext cx="462013" cy="462013"/>
-          </a:xfrm>
-          <a:prstGeom prst="rect">
-            <a:avLst/>
-          </a:prstGeom>
-        </p:spPr>
-        <p:style>
-          <a:lnRef idx="2">
-            <a:schemeClr val="accent1">
-              <a:shade val="50000"/>
-            </a:schemeClr>
-          </a:lnRef>
-          <a:fillRef idx="1">
-            <a:schemeClr val="accent1"/>
-          </a:fillRef>
-          <a:effectRef idx="0">
-            <a:schemeClr val="accent1"/>
-          </a:effectRef>
-          <a:fontRef idx="minor">
-            <a:schemeClr val="lt1"/>
-          </a:fontRef>
-        </p:style>
-        <p:txBody>
-          <a:bodyPr rtlCol="0" anchor="ctr"/>
-          <a:lstStyle/>
-          <a:p>
-            <a:pPr algn="ctr"/>
-            <a:endParaRPr lang="es-CO"/>
-          </a:p>
-        </p:txBody>
-      </p:sp>
-      <p:sp>
-        <p:nvSpPr>
-          <p:cNvPr id="10" name="Rectángulo 9"/>
-          <p:cNvSpPr/>
-          <p:nvPr/>
-        </p:nvSpPr>
-        <p:spPr>
-          <a:xfrm>
-            <a:off x="4437243" y="5155927"/>
-            <a:ext cx="462013" cy="462013"/>
-          </a:xfrm>
-          <a:prstGeom prst="rect">
-            <a:avLst/>
-          </a:prstGeom>
-        </p:spPr>
-        <p:style>
-          <a:lnRef idx="2">
-            <a:schemeClr val="accent1">
-              <a:shade val="50000"/>
-            </a:schemeClr>
-          </a:lnRef>
-          <a:fillRef idx="1">
-            <a:schemeClr val="accent1"/>
-          </a:fillRef>
-          <a:effectRef idx="0">
-            <a:schemeClr val="accent1"/>
-          </a:effectRef>
-          <a:fontRef idx="minor">
-            <a:schemeClr val="lt1"/>
-          </a:fontRef>
-        </p:style>
-        <p:txBody>
-          <a:bodyPr rtlCol="0" anchor="ctr"/>
-          <a:lstStyle/>
-          <a:p>
-            <a:pPr algn="ctr"/>
-            <a:endParaRPr lang="es-CO"/>
-          </a:p>
-        </p:txBody>
-      </p:sp>
-      <p:sp>
-        <p:nvSpPr>
-          <p:cNvPr id="11" name="Rectángulo 10"/>
-          <p:cNvSpPr/>
-          <p:nvPr/>
-        </p:nvSpPr>
-        <p:spPr>
-          <a:xfrm>
-            <a:off x="7291136" y="5155927"/>
-            <a:ext cx="462013" cy="462013"/>
-          </a:xfrm>
-          <a:prstGeom prst="rect">
-            <a:avLst/>
-          </a:prstGeom>
-        </p:spPr>
-        <p:style>
-          <a:lnRef idx="2">
-            <a:schemeClr val="accent1">
-              <a:shade val="50000"/>
-            </a:schemeClr>
-          </a:lnRef>
-          <a:fillRef idx="1">
-            <a:schemeClr val="accent1"/>
-          </a:fillRef>
-          <a:effectRef idx="0">
-            <a:schemeClr val="accent1"/>
-          </a:effectRef>
-          <a:fontRef idx="minor">
-            <a:schemeClr val="lt1"/>
-          </a:fontRef>
-        </p:style>
-        <p:txBody>
-          <a:bodyPr rtlCol="0" anchor="ctr"/>
-          <a:lstStyle/>
-          <a:p>
-            <a:pPr algn="ctr"/>
-            <a:endParaRPr lang="es-CO"/>
-          </a:p>
-        </p:txBody>
-      </p:sp>
-      <p:sp>
-        <p:nvSpPr>
-          <p:cNvPr id="12" name="Rectángulo 11"/>
-          <p:cNvSpPr/>
-          <p:nvPr/>
-        </p:nvSpPr>
-        <p:spPr>
-          <a:xfrm>
-            <a:off x="3782724" y="5276961"/>
-            <a:ext cx="885525" cy="240811"/>
-          </a:xfrm>
-          <a:prstGeom prst="rect">
-            <a:avLst/>
-          </a:prstGeom>
-          <a:solidFill>
-            <a:schemeClr val="bg1">
-              <a:lumMod val="95000"/>
-            </a:schemeClr>
-          </a:solidFill>
-          <a:ln>
-            <a:noFill/>
-          </a:ln>
-        </p:spPr>
-        <p:style>
-          <a:lnRef idx="2">
-            <a:schemeClr val="accent1">
-              <a:shade val="50000"/>
-            </a:schemeClr>
-          </a:lnRef>
-          <a:fillRef idx="1">
-            <a:schemeClr val="accent1"/>
-          </a:fillRef>
-          <a:effectRef idx="0">
-            <a:schemeClr val="accent1"/>
-          </a:effectRef>
-          <a:fontRef idx="minor">
-            <a:schemeClr val="lt1"/>
-          </a:fontRef>
-        </p:style>
-        <p:txBody>
-          <a:bodyPr rtlCol="0" anchor="ctr"/>
-          <a:lstStyle/>
-          <a:p>
-            <a:pPr algn="ctr"/>
-            <a:r>
-              <a:rPr lang="es-ES" sz="1400" dirty="0" smtClean="0">
+      <p:pic>
+        <p:nvPicPr>
+          <p:cNvPr id="1026" name="Picture 2" descr="Resultado de imagen para homework png icon"/>
+          <p:cNvPicPr>
+            <a:picLocks noChangeAspect="1" noChangeArrowheads="1"/>
+          </p:cNvPicPr>
+          <p:nvPr/>
+        </p:nvPicPr>
+        <p:blipFill>
+          <a:blip r:embed="rId2">
+            <a:extLst>
+              <a:ext uri="{28A0092B-C50C-407E-A947-70E740481C1C}">
+                <a14:useLocalDpi xmlns:a14="http://schemas.microsoft.com/office/drawing/2010/main" val="0"/>
+              </a:ext>
+            </a:extLst>
+          </a:blip>
+          <a:srcRect/>
+          <a:stretch>
+            <a:fillRect/>
+          </a:stretch>
+        </p:blipFill>
+        <p:spPr bwMode="auto">
+          <a:xfrm>
+            <a:off x="914400" y="2084439"/>
+            <a:ext cx="3067665" cy="3067666"/>
+          </a:xfrm>
+          <a:prstGeom prst="rect">
+            <a:avLst/>
+          </a:prstGeom>
+          <a:noFill/>
+          <a:extLst>
+            <a:ext uri="{909E8E84-426E-40DD-AFC4-6F175D3DCCD1}">
+              <a14:hiddenFill xmlns:a14="http://schemas.microsoft.com/office/drawing/2010/main">
                 <a:solidFill>
-                  <a:schemeClr val="tx1"/>
+                  <a:srgbClr val="FFFFFF"/>
                 </a:solidFill>
-              </a:rPr>
-              <a:t>Mensaje</a:t>
-            </a:r>
-            <a:endParaRPr lang="es-CO" dirty="0">
-              <a:solidFill>
-                <a:schemeClr val="tx1"/>
-              </a:solidFill>
-            </a:endParaRPr>
-          </a:p>
-        </p:txBody>
-      </p:sp>
-      <p:sp>
-        <p:nvSpPr>
-          <p:cNvPr id="13" name="Rectángulo 12"/>
-          <p:cNvSpPr/>
-          <p:nvPr/>
-        </p:nvSpPr>
-        <p:spPr>
-          <a:xfrm>
-            <a:off x="7460379" y="5264301"/>
-            <a:ext cx="885525" cy="240811"/>
-          </a:xfrm>
-          <a:prstGeom prst="rect">
-            <a:avLst/>
-          </a:prstGeom>
-          <a:solidFill>
-            <a:schemeClr val="bg1">
-              <a:lumMod val="95000"/>
-            </a:schemeClr>
-          </a:solidFill>
-          <a:ln>
-            <a:noFill/>
-          </a:ln>
-        </p:spPr>
-        <p:style>
-          <a:lnRef idx="2">
-            <a:schemeClr val="accent1">
-              <a:shade val="50000"/>
-            </a:schemeClr>
-          </a:lnRef>
-          <a:fillRef idx="1">
-            <a:schemeClr val="accent1"/>
-          </a:fillRef>
-          <a:effectRef idx="0">
-            <a:schemeClr val="accent1"/>
-          </a:effectRef>
-          <a:fontRef idx="minor">
-            <a:schemeClr val="lt1"/>
-          </a:fontRef>
-        </p:style>
-        <p:txBody>
-          <a:bodyPr rtlCol="0" anchor="ctr"/>
-          <a:lstStyle/>
-          <a:p>
-            <a:pPr algn="ctr"/>
-            <a:r>
-              <a:rPr lang="es-ES" sz="1400" dirty="0">
-                <a:solidFill>
-                  <a:schemeClr val="tx1"/>
-                </a:solidFill>
-              </a:rPr>
-              <a:t>Mensaje</a:t>
-            </a:r>
-            <a:endParaRPr lang="es-CO" sz="1400" dirty="0">
-              <a:solidFill>
-                <a:schemeClr val="tx1"/>
-              </a:solidFill>
-            </a:endParaRPr>
-          </a:p>
-        </p:txBody>
-      </p:sp>
-      <p:cxnSp>
-        <p:nvCxnSpPr>
-          <p:cNvPr id="16" name="Conector recto de flecha 15"/>
-          <p:cNvCxnSpPr>
-            <a:stCxn id="10" idx="0"/>
-            <a:endCxn id="9" idx="2"/>
-          </p:cNvCxnSpPr>
-          <p:nvPr/>
-        </p:nvCxnSpPr>
-        <p:spPr>
-          <a:xfrm flipV="1">
-            <a:off x="4668250" y="4705147"/>
-            <a:ext cx="2" cy="450780"/>
-          </a:xfrm>
-          <a:prstGeom prst="straightConnector1">
-            <a:avLst/>
-          </a:prstGeom>
-          <a:ln>
-            <a:tailEnd type="triangle"/>
-          </a:ln>
-        </p:spPr>
-        <p:style>
-          <a:lnRef idx="1">
-            <a:schemeClr val="accent1"/>
-          </a:lnRef>
-          <a:fillRef idx="0">
-            <a:schemeClr val="accent1"/>
-          </a:fillRef>
-          <a:effectRef idx="0">
-            <a:schemeClr val="accent1"/>
-          </a:effectRef>
-          <a:fontRef idx="minor">
-            <a:schemeClr val="tx1"/>
-          </a:fontRef>
-        </p:style>
-      </p:cxnSp>
-      <p:cxnSp>
-        <p:nvCxnSpPr>
-          <p:cNvPr id="19" name="Conector recto de flecha 18"/>
-          <p:cNvCxnSpPr>
-            <a:stCxn id="9" idx="0"/>
-            <a:endCxn id="4" idx="2"/>
-          </p:cNvCxnSpPr>
-          <p:nvPr/>
-        </p:nvCxnSpPr>
-        <p:spPr>
-          <a:xfrm flipV="1">
-            <a:off x="4668252" y="3792354"/>
-            <a:ext cx="1" cy="450780"/>
-          </a:xfrm>
-          <a:prstGeom prst="straightConnector1">
-            <a:avLst/>
-          </a:prstGeom>
-          <a:ln>
-            <a:tailEnd type="triangle"/>
-          </a:ln>
-        </p:spPr>
-        <p:style>
-          <a:lnRef idx="1">
-            <a:schemeClr val="accent1"/>
-          </a:lnRef>
-          <a:fillRef idx="0">
-            <a:schemeClr val="accent1"/>
-          </a:fillRef>
-          <a:effectRef idx="0">
-            <a:schemeClr val="accent1"/>
-          </a:effectRef>
-          <a:fontRef idx="minor">
-            <a:schemeClr val="tx1"/>
-          </a:fontRef>
-        </p:style>
-      </p:cxnSp>
-      <p:cxnSp>
-        <p:nvCxnSpPr>
-          <p:cNvPr id="22" name="Conector recto de flecha 21"/>
-          <p:cNvCxnSpPr>
-            <a:stCxn id="4" idx="3"/>
-            <a:endCxn id="5" idx="1"/>
-          </p:cNvCxnSpPr>
-          <p:nvPr/>
-        </p:nvCxnSpPr>
-        <p:spPr>
-          <a:xfrm flipV="1">
-            <a:off x="4899259" y="3561347"/>
-            <a:ext cx="489284" cy="1"/>
-          </a:xfrm>
-          <a:prstGeom prst="straightConnector1">
-            <a:avLst/>
-          </a:prstGeom>
-          <a:ln>
-            <a:tailEnd type="triangle"/>
-          </a:ln>
-        </p:spPr>
-        <p:style>
-          <a:lnRef idx="1">
-            <a:schemeClr val="accent1"/>
-          </a:lnRef>
-          <a:fillRef idx="0">
-            <a:schemeClr val="accent1"/>
-          </a:fillRef>
-          <a:effectRef idx="0">
-            <a:schemeClr val="accent1"/>
-          </a:effectRef>
-          <a:fontRef idx="minor">
-            <a:schemeClr val="tx1"/>
-          </a:fontRef>
-        </p:style>
-      </p:cxnSp>
-      <p:cxnSp>
-        <p:nvCxnSpPr>
-          <p:cNvPr id="25" name="Conector recto de flecha 24"/>
-          <p:cNvCxnSpPr/>
-          <p:nvPr/>
-        </p:nvCxnSpPr>
-        <p:spPr>
-          <a:xfrm flipV="1">
-            <a:off x="5850556" y="3546726"/>
-            <a:ext cx="489284" cy="1"/>
-          </a:xfrm>
-          <a:prstGeom prst="straightConnector1">
-            <a:avLst/>
-          </a:prstGeom>
-          <a:ln>
-            <a:tailEnd type="triangle"/>
-          </a:ln>
-        </p:spPr>
-        <p:style>
-          <a:lnRef idx="1">
-            <a:schemeClr val="accent1"/>
-          </a:lnRef>
-          <a:fillRef idx="0">
-            <a:schemeClr val="accent1"/>
-          </a:fillRef>
-          <a:effectRef idx="0">
-            <a:schemeClr val="accent1"/>
-          </a:effectRef>
-          <a:fontRef idx="minor">
-            <a:schemeClr val="tx1"/>
-          </a:fontRef>
-        </p:style>
-      </p:cxnSp>
-      <p:cxnSp>
-        <p:nvCxnSpPr>
-          <p:cNvPr id="26" name="Conector recto de flecha 25"/>
-          <p:cNvCxnSpPr/>
-          <p:nvPr/>
-        </p:nvCxnSpPr>
-        <p:spPr>
-          <a:xfrm flipV="1">
-            <a:off x="6801852" y="3546725"/>
-            <a:ext cx="489284" cy="1"/>
-          </a:xfrm>
-          <a:prstGeom prst="straightConnector1">
-            <a:avLst/>
-          </a:prstGeom>
-          <a:ln>
-            <a:tailEnd type="triangle"/>
-          </a:ln>
-        </p:spPr>
-        <p:style>
-          <a:lnRef idx="1">
-            <a:schemeClr val="accent1"/>
-          </a:lnRef>
-          <a:fillRef idx="0">
-            <a:schemeClr val="accent1"/>
-          </a:fillRef>
-          <a:effectRef idx="0">
-            <a:schemeClr val="accent1"/>
-          </a:effectRef>
-          <a:fontRef idx="minor">
-            <a:schemeClr val="tx1"/>
-          </a:fontRef>
-        </p:style>
-      </p:cxnSp>
-      <p:cxnSp>
-        <p:nvCxnSpPr>
-          <p:cNvPr id="27" name="Conector recto de flecha 26"/>
-          <p:cNvCxnSpPr>
-            <a:stCxn id="7" idx="2"/>
-            <a:endCxn id="8" idx="0"/>
-          </p:cNvCxnSpPr>
-          <p:nvPr/>
-        </p:nvCxnSpPr>
-        <p:spPr>
-          <a:xfrm>
-            <a:off x="7522144" y="3792351"/>
-            <a:ext cx="0" cy="450783"/>
-          </a:xfrm>
-          <a:prstGeom prst="straightConnector1">
-            <a:avLst/>
-          </a:prstGeom>
-          <a:ln>
-            <a:tailEnd type="triangle"/>
-          </a:ln>
-        </p:spPr>
-        <p:style>
-          <a:lnRef idx="1">
-            <a:schemeClr val="accent1"/>
-          </a:lnRef>
-          <a:fillRef idx="0">
-            <a:schemeClr val="accent1"/>
-          </a:fillRef>
-          <a:effectRef idx="0">
-            <a:schemeClr val="accent1"/>
-          </a:effectRef>
-          <a:fontRef idx="minor">
-            <a:schemeClr val="tx1"/>
-          </a:fontRef>
-        </p:style>
-      </p:cxnSp>
-      <p:cxnSp>
-        <p:nvCxnSpPr>
-          <p:cNvPr id="30" name="Conector recto de flecha 29"/>
-          <p:cNvCxnSpPr/>
-          <p:nvPr/>
-        </p:nvCxnSpPr>
-        <p:spPr>
-          <a:xfrm>
-            <a:off x="7522141" y="4705144"/>
-            <a:ext cx="0" cy="450783"/>
-          </a:xfrm>
-          <a:prstGeom prst="straightConnector1">
-            <a:avLst/>
-          </a:prstGeom>
-          <a:ln>
-            <a:tailEnd type="triangle"/>
-          </a:ln>
-        </p:spPr>
-        <p:style>
-          <a:lnRef idx="1">
-            <a:schemeClr val="accent1"/>
-          </a:lnRef>
-          <a:fillRef idx="0">
-            <a:schemeClr val="accent1"/>
-          </a:fillRef>
-          <a:effectRef idx="0">
-            <a:schemeClr val="accent1"/>
-          </a:effectRef>
-          <a:fontRef idx="minor">
-            <a:schemeClr val="tx1"/>
-          </a:fontRef>
-        </p:style>
-      </p:cxnSp>
+              </a14:hiddenFill>
+            </a:ext>
+          </a:extLst>
+        </p:spPr>
+      </p:pic>
     </p:spTree>
     <p:extLst>
       <p:ext uri="{BB962C8B-B14F-4D97-AF65-F5344CB8AC3E}">
-        <p14:creationId xmlns:p14="http://schemas.microsoft.com/office/powerpoint/2010/main" val="3245003877"/>
+        <p14:creationId xmlns:p14="http://schemas.microsoft.com/office/powerpoint/2010/main" val="1926768558"/>
       </p:ext>
     </p:extLst>
   </p:cSld>
@@ -32904,1103 +33804,6 @@
           <a:p>
             <a:r>
               <a:rPr lang="es-ES" dirty="0" smtClean="0"/>
-              <a:t>Transferencia de archivos</a:t>
-            </a:r>
-            <a:endParaRPr lang="es-CO" dirty="0"/>
-          </a:p>
-        </p:txBody>
-      </p:sp>
-      <p:sp>
-        <p:nvSpPr>
-          <p:cNvPr id="3" name="Marcador de contenido 2"/>
-          <p:cNvSpPr>
-            <a:spLocks noGrp="1"/>
-          </p:cNvSpPr>
-          <p:nvPr>
-            <p:ph idx="1"/>
-          </p:nvPr>
-        </p:nvSpPr>
-        <p:spPr/>
-        <p:txBody>
-          <a:bodyPr/>
-          <a:lstStyle/>
-          <a:p>
-            <a:r>
-              <a:rPr lang="es-ES" dirty="0" smtClean="0"/>
-              <a:t>Para la transferencia de archivos necesita</a:t>
-            </a:r>
-          </a:p>
-          <a:p>
-            <a:pPr marL="0" indent="0">
-              <a:buNone/>
-            </a:pPr>
-            <a:endParaRPr lang="es-CO" dirty="0"/>
-          </a:p>
-        </p:txBody>
-      </p:sp>
-      <p:sp>
-        <p:nvSpPr>
-          <p:cNvPr id="4" name="Rectángulo 3"/>
-          <p:cNvSpPr/>
-          <p:nvPr/>
-        </p:nvSpPr>
-        <p:spPr>
-          <a:xfrm>
-            <a:off x="2477729" y="2979174"/>
-            <a:ext cx="2241755" cy="2615381"/>
-          </a:xfrm>
-          <a:prstGeom prst="rect">
-            <a:avLst/>
-          </a:prstGeom>
-          <a:solidFill>
-            <a:schemeClr val="bg1">
-              <a:lumMod val="95000"/>
-            </a:schemeClr>
-          </a:solidFill>
-          <a:ln>
-            <a:solidFill>
-              <a:schemeClr val="tx1"/>
-            </a:solidFill>
-          </a:ln>
-        </p:spPr>
-        <p:style>
-          <a:lnRef idx="2">
-            <a:schemeClr val="accent1">
-              <a:shade val="50000"/>
-            </a:schemeClr>
-          </a:lnRef>
-          <a:fillRef idx="1">
-            <a:schemeClr val="accent1"/>
-          </a:fillRef>
-          <a:effectRef idx="0">
-            <a:schemeClr val="accent1"/>
-          </a:effectRef>
-          <a:fontRef idx="minor">
-            <a:schemeClr val="lt1"/>
-          </a:fontRef>
-        </p:style>
-        <p:txBody>
-          <a:bodyPr rtlCol="0" anchor="ctr"/>
-          <a:lstStyle/>
-          <a:p>
-            <a:pPr algn="ctr"/>
-            <a:r>
-              <a:rPr lang="es-ES" dirty="0" smtClean="0">
-                <a:solidFill>
-                  <a:schemeClr val="tx1"/>
-                </a:solidFill>
-              </a:rPr>
-              <a:t>A</a:t>
-            </a:r>
-          </a:p>
-          <a:p>
-            <a:pPr algn="ctr"/>
-            <a:endParaRPr lang="es-ES" dirty="0">
-              <a:solidFill>
-                <a:schemeClr val="tx1"/>
-              </a:solidFill>
-            </a:endParaRPr>
-          </a:p>
-          <a:p>
-            <a:pPr algn="ctr"/>
-            <a:endParaRPr lang="es-ES" dirty="0" smtClean="0">
-              <a:solidFill>
-                <a:schemeClr val="tx1"/>
-              </a:solidFill>
-            </a:endParaRPr>
-          </a:p>
-          <a:p>
-            <a:pPr algn="ctr"/>
-            <a:endParaRPr lang="es-ES" dirty="0">
-              <a:solidFill>
-                <a:schemeClr val="tx1"/>
-              </a:solidFill>
-            </a:endParaRPr>
-          </a:p>
-          <a:p>
-            <a:pPr algn="ctr"/>
-            <a:endParaRPr lang="es-ES" dirty="0" smtClean="0">
-              <a:solidFill>
-                <a:schemeClr val="tx1"/>
-              </a:solidFill>
-            </a:endParaRPr>
-          </a:p>
-          <a:p>
-            <a:pPr algn="ctr"/>
-            <a:endParaRPr lang="es-ES" dirty="0">
-              <a:solidFill>
-                <a:schemeClr val="tx1"/>
-              </a:solidFill>
-            </a:endParaRPr>
-          </a:p>
-          <a:p>
-            <a:pPr algn="ctr"/>
-            <a:endParaRPr lang="es-ES" dirty="0" smtClean="0">
-              <a:solidFill>
-                <a:schemeClr val="tx1"/>
-              </a:solidFill>
-            </a:endParaRPr>
-          </a:p>
-          <a:p>
-            <a:pPr algn="ctr"/>
-            <a:endParaRPr lang="es-ES" dirty="0">
-              <a:solidFill>
-                <a:schemeClr val="tx1"/>
-              </a:solidFill>
-            </a:endParaRPr>
-          </a:p>
-          <a:p>
-            <a:pPr algn="ctr"/>
-            <a:endParaRPr lang="es-CO" dirty="0">
-              <a:solidFill>
-                <a:schemeClr val="tx1"/>
-              </a:solidFill>
-            </a:endParaRPr>
-          </a:p>
-        </p:txBody>
-      </p:sp>
-      <p:sp>
-        <p:nvSpPr>
-          <p:cNvPr id="5" name="Rectángulo 4"/>
-          <p:cNvSpPr/>
-          <p:nvPr/>
-        </p:nvSpPr>
-        <p:spPr>
-          <a:xfrm>
-            <a:off x="7428271" y="2979174"/>
-            <a:ext cx="2241755" cy="2615381"/>
-          </a:xfrm>
-          <a:prstGeom prst="rect">
-            <a:avLst/>
-          </a:prstGeom>
-          <a:solidFill>
-            <a:schemeClr val="bg1">
-              <a:lumMod val="95000"/>
-            </a:schemeClr>
-          </a:solidFill>
-          <a:ln>
-            <a:solidFill>
-              <a:schemeClr val="tx1"/>
-            </a:solidFill>
-          </a:ln>
-        </p:spPr>
-        <p:style>
-          <a:lnRef idx="2">
-            <a:schemeClr val="accent1">
-              <a:shade val="50000"/>
-            </a:schemeClr>
-          </a:lnRef>
-          <a:fillRef idx="1">
-            <a:schemeClr val="accent1"/>
-          </a:fillRef>
-          <a:effectRef idx="0">
-            <a:schemeClr val="accent1"/>
-          </a:effectRef>
-          <a:fontRef idx="minor">
-            <a:schemeClr val="lt1"/>
-          </a:fontRef>
-        </p:style>
-        <p:txBody>
-          <a:bodyPr rtlCol="0" anchor="ctr"/>
-          <a:lstStyle/>
-          <a:p>
-            <a:pPr algn="ctr"/>
-            <a:r>
-              <a:rPr lang="es-ES" dirty="0" smtClean="0">
-                <a:solidFill>
-                  <a:schemeClr val="tx1"/>
-                </a:solidFill>
-              </a:rPr>
-              <a:t>B</a:t>
-            </a:r>
-          </a:p>
-          <a:p>
-            <a:pPr algn="ctr"/>
-            <a:endParaRPr lang="es-ES" dirty="0">
-              <a:solidFill>
-                <a:schemeClr val="tx1"/>
-              </a:solidFill>
-            </a:endParaRPr>
-          </a:p>
-          <a:p>
-            <a:pPr algn="ctr"/>
-            <a:endParaRPr lang="es-ES" dirty="0" smtClean="0">
-              <a:solidFill>
-                <a:schemeClr val="tx1"/>
-              </a:solidFill>
-            </a:endParaRPr>
-          </a:p>
-          <a:p>
-            <a:pPr algn="ctr"/>
-            <a:endParaRPr lang="es-ES" dirty="0">
-              <a:solidFill>
-                <a:schemeClr val="tx1"/>
-              </a:solidFill>
-            </a:endParaRPr>
-          </a:p>
-          <a:p>
-            <a:pPr algn="ctr"/>
-            <a:endParaRPr lang="es-ES" dirty="0" smtClean="0">
-              <a:solidFill>
-                <a:schemeClr val="tx1"/>
-              </a:solidFill>
-            </a:endParaRPr>
-          </a:p>
-          <a:p>
-            <a:pPr algn="ctr"/>
-            <a:endParaRPr lang="es-ES" dirty="0">
-              <a:solidFill>
-                <a:schemeClr val="tx1"/>
-              </a:solidFill>
-            </a:endParaRPr>
-          </a:p>
-          <a:p>
-            <a:pPr algn="ctr"/>
-            <a:endParaRPr lang="es-ES" dirty="0" smtClean="0">
-              <a:solidFill>
-                <a:schemeClr val="tx1"/>
-              </a:solidFill>
-            </a:endParaRPr>
-          </a:p>
-          <a:p>
-            <a:pPr algn="ctr"/>
-            <a:endParaRPr lang="es-ES" dirty="0">
-              <a:solidFill>
-                <a:schemeClr val="tx1"/>
-              </a:solidFill>
-            </a:endParaRPr>
-          </a:p>
-          <a:p>
-            <a:pPr algn="ctr"/>
-            <a:endParaRPr lang="es-CO" dirty="0">
-              <a:solidFill>
-                <a:schemeClr val="tx1"/>
-              </a:solidFill>
-            </a:endParaRPr>
-          </a:p>
-        </p:txBody>
-      </p:sp>
-      <p:sp>
-        <p:nvSpPr>
-          <p:cNvPr id="6" name="Rectángulo 5"/>
-          <p:cNvSpPr/>
-          <p:nvPr/>
-        </p:nvSpPr>
-        <p:spPr>
-          <a:xfrm rot="16200000">
-            <a:off x="2556388" y="4940329"/>
-            <a:ext cx="639096" cy="304800"/>
-          </a:xfrm>
-          <a:prstGeom prst="rect">
-            <a:avLst/>
-          </a:prstGeom>
-        </p:spPr>
-        <p:style>
-          <a:lnRef idx="2">
-            <a:schemeClr val="accent1">
-              <a:shade val="50000"/>
-            </a:schemeClr>
-          </a:lnRef>
-          <a:fillRef idx="1">
-            <a:schemeClr val="accent1"/>
-          </a:fillRef>
-          <a:effectRef idx="0">
-            <a:schemeClr val="accent1"/>
-          </a:effectRef>
-          <a:fontRef idx="minor">
-            <a:schemeClr val="lt1"/>
-          </a:fontRef>
-        </p:style>
-        <p:txBody>
-          <a:bodyPr rtlCol="0" anchor="ctr"/>
-          <a:lstStyle/>
-          <a:p>
-            <a:pPr algn="ctr"/>
-            <a:r>
-              <a:rPr lang="es-ES" dirty="0" smtClean="0"/>
-              <a:t>FILE</a:t>
-            </a:r>
-            <a:endParaRPr lang="es-CO" dirty="0"/>
-          </a:p>
-        </p:txBody>
-      </p:sp>
-      <p:sp>
-        <p:nvSpPr>
-          <p:cNvPr id="7" name="Rectángulo 6"/>
-          <p:cNvSpPr/>
-          <p:nvPr/>
-        </p:nvSpPr>
-        <p:spPr>
-          <a:xfrm rot="16200000">
-            <a:off x="8952272" y="4940329"/>
-            <a:ext cx="639096" cy="304800"/>
-          </a:xfrm>
-          <a:prstGeom prst="rect">
-            <a:avLst/>
-          </a:prstGeom>
-          <a:ln>
-            <a:prstDash val="dash"/>
-          </a:ln>
-        </p:spPr>
-        <p:style>
-          <a:lnRef idx="2">
-            <a:schemeClr val="accent1">
-              <a:shade val="50000"/>
-            </a:schemeClr>
-          </a:lnRef>
-          <a:fillRef idx="1">
-            <a:schemeClr val="accent1"/>
-          </a:fillRef>
-          <a:effectRef idx="0">
-            <a:schemeClr val="accent1"/>
-          </a:effectRef>
-          <a:fontRef idx="minor">
-            <a:schemeClr val="lt1"/>
-          </a:fontRef>
-        </p:style>
-        <p:txBody>
-          <a:bodyPr rtlCol="0" anchor="ctr"/>
-          <a:lstStyle/>
-          <a:p>
-            <a:pPr algn="ctr"/>
-            <a:r>
-              <a:rPr lang="es-ES" dirty="0" smtClean="0"/>
-              <a:t>FILE</a:t>
-            </a:r>
-            <a:endParaRPr lang="es-CO" dirty="0"/>
-          </a:p>
-        </p:txBody>
-      </p:sp>
-      <p:cxnSp>
-        <p:nvCxnSpPr>
-          <p:cNvPr id="9" name="Conector recto de flecha 8"/>
-          <p:cNvCxnSpPr>
-            <a:stCxn id="4" idx="3"/>
-            <a:endCxn id="11" idx="2"/>
-          </p:cNvCxnSpPr>
-          <p:nvPr/>
-        </p:nvCxnSpPr>
-        <p:spPr>
-          <a:xfrm flipV="1">
-            <a:off x="4719484" y="4286863"/>
-            <a:ext cx="2521974" cy="2"/>
-          </a:xfrm>
-          <a:prstGeom prst="straightConnector1">
-            <a:avLst/>
-          </a:prstGeom>
-          <a:ln>
-            <a:solidFill>
-              <a:schemeClr val="tx1"/>
-            </a:solidFill>
-            <a:tailEnd type="triangle"/>
-          </a:ln>
-        </p:spPr>
-        <p:style>
-          <a:lnRef idx="1">
-            <a:schemeClr val="accent1"/>
-          </a:lnRef>
-          <a:fillRef idx="0">
-            <a:schemeClr val="accent1"/>
-          </a:fillRef>
-          <a:effectRef idx="0">
-            <a:schemeClr val="accent1"/>
-          </a:effectRef>
-          <a:fontRef idx="minor">
-            <a:schemeClr val="tx1"/>
-          </a:fontRef>
-        </p:style>
-      </p:cxnSp>
-      <p:sp>
-        <p:nvSpPr>
-          <p:cNvPr id="10" name="Elipse 9"/>
-          <p:cNvSpPr/>
-          <p:nvPr/>
-        </p:nvSpPr>
-        <p:spPr>
-          <a:xfrm>
-            <a:off x="4537587" y="4104967"/>
-            <a:ext cx="363793" cy="363793"/>
-          </a:xfrm>
-          <a:prstGeom prst="ellipse">
-            <a:avLst/>
-          </a:prstGeom>
-          <a:solidFill>
-            <a:schemeClr val="tx1"/>
-          </a:solidFill>
-          <a:ln>
-            <a:solidFill>
-              <a:schemeClr val="tx1"/>
-            </a:solidFill>
-          </a:ln>
-        </p:spPr>
-        <p:style>
-          <a:lnRef idx="2">
-            <a:schemeClr val="accent1">
-              <a:shade val="50000"/>
-            </a:schemeClr>
-          </a:lnRef>
-          <a:fillRef idx="1">
-            <a:schemeClr val="accent1"/>
-          </a:fillRef>
-          <a:effectRef idx="0">
-            <a:schemeClr val="accent1"/>
-          </a:effectRef>
-          <a:fontRef idx="minor">
-            <a:schemeClr val="lt1"/>
-          </a:fontRef>
-        </p:style>
-        <p:txBody>
-          <a:bodyPr rtlCol="0" anchor="ctr"/>
-          <a:lstStyle/>
-          <a:p>
-            <a:pPr algn="ctr"/>
-            <a:endParaRPr lang="es-CO"/>
-          </a:p>
-        </p:txBody>
-      </p:sp>
-      <p:sp>
-        <p:nvSpPr>
-          <p:cNvPr id="11" name="Elipse 10"/>
-          <p:cNvSpPr/>
-          <p:nvPr/>
-        </p:nvSpPr>
-        <p:spPr>
-          <a:xfrm>
-            <a:off x="7241458" y="4104966"/>
-            <a:ext cx="363793" cy="363793"/>
-          </a:xfrm>
-          <a:prstGeom prst="ellipse">
-            <a:avLst/>
-          </a:prstGeom>
-          <a:solidFill>
-            <a:schemeClr val="tx1"/>
-          </a:solidFill>
-          <a:ln>
-            <a:solidFill>
-              <a:schemeClr val="tx1"/>
-            </a:solidFill>
-          </a:ln>
-        </p:spPr>
-        <p:style>
-          <a:lnRef idx="2">
-            <a:schemeClr val="accent1">
-              <a:shade val="50000"/>
-            </a:schemeClr>
-          </a:lnRef>
-          <a:fillRef idx="1">
-            <a:schemeClr val="accent1"/>
-          </a:fillRef>
-          <a:effectRef idx="0">
-            <a:schemeClr val="accent1"/>
-          </a:effectRef>
-          <a:fontRef idx="minor">
-            <a:schemeClr val="lt1"/>
-          </a:fontRef>
-        </p:style>
-        <p:txBody>
-          <a:bodyPr rtlCol="0" anchor="ctr"/>
-          <a:lstStyle/>
-          <a:p>
-            <a:pPr algn="ctr"/>
-            <a:endParaRPr lang="es-CO"/>
-          </a:p>
-        </p:txBody>
-      </p:sp>
-      <p:sp>
-        <p:nvSpPr>
-          <p:cNvPr id="13" name="CuadroTexto 12"/>
-          <p:cNvSpPr txBox="1"/>
-          <p:nvPr/>
-        </p:nvSpPr>
-        <p:spPr>
-          <a:xfrm>
-            <a:off x="2455608" y="3615876"/>
-            <a:ext cx="1543664" cy="369332"/>
-          </a:xfrm>
-          <a:prstGeom prst="rect">
-            <a:avLst/>
-          </a:prstGeom>
-          <a:noFill/>
-        </p:spPr>
-        <p:txBody>
-          <a:bodyPr wrap="square" rtlCol="0">
-            <a:spAutoFit/>
-          </a:bodyPr>
-          <a:lstStyle/>
-          <a:p>
-            <a:r>
-              <a:rPr lang="es-ES" dirty="0" err="1" smtClean="0"/>
-              <a:t>InputStream</a:t>
-            </a:r>
-            <a:endParaRPr lang="es-CO" dirty="0"/>
-          </a:p>
-        </p:txBody>
-      </p:sp>
-      <p:sp>
-        <p:nvSpPr>
-          <p:cNvPr id="14" name="CuadroTexto 13"/>
-          <p:cNvSpPr txBox="1"/>
-          <p:nvPr/>
-        </p:nvSpPr>
-        <p:spPr>
-          <a:xfrm>
-            <a:off x="4689496" y="3507657"/>
-            <a:ext cx="1543664" cy="369332"/>
-          </a:xfrm>
-          <a:prstGeom prst="rect">
-            <a:avLst/>
-          </a:prstGeom>
-          <a:noFill/>
-        </p:spPr>
-        <p:txBody>
-          <a:bodyPr wrap="square" rtlCol="0">
-            <a:spAutoFit/>
-          </a:bodyPr>
-          <a:lstStyle/>
-          <a:p>
-            <a:r>
-              <a:rPr lang="es-ES" dirty="0" err="1" smtClean="0"/>
-              <a:t>OutputStream</a:t>
-            </a:r>
-            <a:endParaRPr lang="es-CO" dirty="0"/>
-          </a:p>
-        </p:txBody>
-      </p:sp>
-      <p:sp>
-        <p:nvSpPr>
-          <p:cNvPr id="15" name="CuadroTexto 14"/>
-          <p:cNvSpPr txBox="1"/>
-          <p:nvPr/>
-        </p:nvSpPr>
-        <p:spPr>
-          <a:xfrm>
-            <a:off x="6096491" y="4392467"/>
-            <a:ext cx="1543664" cy="369332"/>
-          </a:xfrm>
-          <a:prstGeom prst="rect">
-            <a:avLst/>
-          </a:prstGeom>
-          <a:noFill/>
-        </p:spPr>
-        <p:txBody>
-          <a:bodyPr wrap="square" rtlCol="0">
-            <a:spAutoFit/>
-          </a:bodyPr>
-          <a:lstStyle/>
-          <a:p>
-            <a:r>
-              <a:rPr lang="es-ES" dirty="0" err="1" smtClean="0"/>
-              <a:t>InputStream</a:t>
-            </a:r>
-            <a:endParaRPr lang="es-CO" dirty="0"/>
-          </a:p>
-        </p:txBody>
-      </p:sp>
-      <p:sp>
-        <p:nvSpPr>
-          <p:cNvPr id="16" name="CuadroTexto 15"/>
-          <p:cNvSpPr txBox="1"/>
-          <p:nvPr/>
-        </p:nvSpPr>
-        <p:spPr>
-          <a:xfrm>
-            <a:off x="8170115" y="3496779"/>
-            <a:ext cx="1543664" cy="369332"/>
-          </a:xfrm>
-          <a:prstGeom prst="rect">
-            <a:avLst/>
-          </a:prstGeom>
-          <a:noFill/>
-        </p:spPr>
-        <p:txBody>
-          <a:bodyPr wrap="square" rtlCol="0">
-            <a:spAutoFit/>
-          </a:bodyPr>
-          <a:lstStyle/>
-          <a:p>
-            <a:r>
-              <a:rPr lang="es-ES" dirty="0" err="1" smtClean="0"/>
-              <a:t>OutputStream</a:t>
-            </a:r>
-            <a:endParaRPr lang="es-CO" dirty="0"/>
-          </a:p>
-        </p:txBody>
-      </p:sp>
-      <p:sp>
-        <p:nvSpPr>
-          <p:cNvPr id="17" name="Elipse 16"/>
-          <p:cNvSpPr/>
-          <p:nvPr/>
-        </p:nvSpPr>
-        <p:spPr>
-          <a:xfrm>
-            <a:off x="2688140" y="4104965"/>
-            <a:ext cx="363793" cy="363793"/>
-          </a:xfrm>
-          <a:prstGeom prst="ellipse">
-            <a:avLst/>
-          </a:prstGeom>
-          <a:solidFill>
-            <a:schemeClr val="tx1"/>
-          </a:solidFill>
-          <a:ln>
-            <a:solidFill>
-              <a:schemeClr val="tx1"/>
-            </a:solidFill>
-          </a:ln>
-        </p:spPr>
-        <p:style>
-          <a:lnRef idx="2">
-            <a:schemeClr val="accent1">
-              <a:shade val="50000"/>
-            </a:schemeClr>
-          </a:lnRef>
-          <a:fillRef idx="1">
-            <a:schemeClr val="accent1"/>
-          </a:fillRef>
-          <a:effectRef idx="0">
-            <a:schemeClr val="accent1"/>
-          </a:effectRef>
-          <a:fontRef idx="minor">
-            <a:schemeClr val="lt1"/>
-          </a:fontRef>
-        </p:style>
-        <p:txBody>
-          <a:bodyPr rtlCol="0" anchor="ctr"/>
-          <a:lstStyle/>
-          <a:p>
-            <a:pPr algn="ctr"/>
-            <a:endParaRPr lang="es-CO"/>
-          </a:p>
-        </p:txBody>
-      </p:sp>
-      <p:sp>
-        <p:nvSpPr>
-          <p:cNvPr id="18" name="Elipse 17"/>
-          <p:cNvSpPr/>
-          <p:nvPr/>
-        </p:nvSpPr>
-        <p:spPr>
-          <a:xfrm>
-            <a:off x="9089923" y="4104964"/>
-            <a:ext cx="363793" cy="363793"/>
-          </a:xfrm>
-          <a:prstGeom prst="ellipse">
-            <a:avLst/>
-          </a:prstGeom>
-          <a:solidFill>
-            <a:schemeClr val="tx1"/>
-          </a:solidFill>
-          <a:ln>
-            <a:solidFill>
-              <a:schemeClr val="tx1"/>
-            </a:solidFill>
-          </a:ln>
-        </p:spPr>
-        <p:style>
-          <a:lnRef idx="2">
-            <a:schemeClr val="accent1">
-              <a:shade val="50000"/>
-            </a:schemeClr>
-          </a:lnRef>
-          <a:fillRef idx="1">
-            <a:schemeClr val="accent1"/>
-          </a:fillRef>
-          <a:effectRef idx="0">
-            <a:schemeClr val="accent1"/>
-          </a:effectRef>
-          <a:fontRef idx="minor">
-            <a:schemeClr val="lt1"/>
-          </a:fontRef>
-        </p:style>
-        <p:txBody>
-          <a:bodyPr rtlCol="0" anchor="ctr"/>
-          <a:lstStyle/>
-          <a:p>
-            <a:pPr algn="ctr"/>
-            <a:endParaRPr lang="es-CO"/>
-          </a:p>
-        </p:txBody>
-      </p:sp>
-      <p:cxnSp>
-        <p:nvCxnSpPr>
-          <p:cNvPr id="20" name="Conector recto de flecha 19"/>
-          <p:cNvCxnSpPr>
-            <a:stCxn id="17" idx="6"/>
-          </p:cNvCxnSpPr>
-          <p:nvPr/>
-        </p:nvCxnSpPr>
-        <p:spPr>
-          <a:xfrm flipV="1">
-            <a:off x="3051933" y="4286861"/>
-            <a:ext cx="1480738" cy="1"/>
-          </a:xfrm>
-          <a:prstGeom prst="straightConnector1">
-            <a:avLst/>
-          </a:prstGeom>
-          <a:ln>
-            <a:solidFill>
-              <a:schemeClr val="tx1"/>
-            </a:solidFill>
-            <a:tailEnd type="triangle"/>
-          </a:ln>
-        </p:spPr>
-        <p:style>
-          <a:lnRef idx="1">
-            <a:schemeClr val="accent1"/>
-          </a:lnRef>
-          <a:fillRef idx="0">
-            <a:schemeClr val="accent1"/>
-          </a:fillRef>
-          <a:effectRef idx="0">
-            <a:schemeClr val="accent1"/>
-          </a:effectRef>
-          <a:fontRef idx="minor">
-            <a:schemeClr val="tx1"/>
-          </a:fontRef>
-        </p:style>
-      </p:cxnSp>
-      <p:cxnSp>
-        <p:nvCxnSpPr>
-          <p:cNvPr id="22" name="Conector recto de flecha 21"/>
-          <p:cNvCxnSpPr>
-            <a:stCxn id="6" idx="3"/>
-            <a:endCxn id="17" idx="4"/>
-          </p:cNvCxnSpPr>
-          <p:nvPr/>
-        </p:nvCxnSpPr>
-        <p:spPr>
-          <a:xfrm flipH="1" flipV="1">
-            <a:off x="2870037" y="4468758"/>
-            <a:ext cx="5899" cy="304423"/>
-          </a:xfrm>
-          <a:prstGeom prst="straightConnector1">
-            <a:avLst/>
-          </a:prstGeom>
-          <a:ln>
-            <a:solidFill>
-              <a:schemeClr val="tx1"/>
-            </a:solidFill>
-            <a:tailEnd type="triangle"/>
-          </a:ln>
-        </p:spPr>
-        <p:style>
-          <a:lnRef idx="1">
-            <a:schemeClr val="accent1"/>
-          </a:lnRef>
-          <a:fillRef idx="0">
-            <a:schemeClr val="accent1"/>
-          </a:fillRef>
-          <a:effectRef idx="0">
-            <a:schemeClr val="accent1"/>
-          </a:effectRef>
-          <a:fontRef idx="minor">
-            <a:schemeClr val="tx1"/>
-          </a:fontRef>
-        </p:style>
-      </p:cxnSp>
-      <p:cxnSp>
-        <p:nvCxnSpPr>
-          <p:cNvPr id="23" name="Conector recto de flecha 22"/>
-          <p:cNvCxnSpPr/>
-          <p:nvPr/>
-        </p:nvCxnSpPr>
-        <p:spPr>
-          <a:xfrm flipV="1">
-            <a:off x="7604269" y="4301603"/>
-            <a:ext cx="1480738" cy="1"/>
-          </a:xfrm>
-          <a:prstGeom prst="straightConnector1">
-            <a:avLst/>
-          </a:prstGeom>
-          <a:ln>
-            <a:solidFill>
-              <a:schemeClr val="tx1"/>
-            </a:solidFill>
-            <a:tailEnd type="triangle"/>
-          </a:ln>
-        </p:spPr>
-        <p:style>
-          <a:lnRef idx="1">
-            <a:schemeClr val="accent1"/>
-          </a:lnRef>
-          <a:fillRef idx="0">
-            <a:schemeClr val="accent1"/>
-          </a:fillRef>
-          <a:effectRef idx="0">
-            <a:schemeClr val="accent1"/>
-          </a:effectRef>
-          <a:fontRef idx="minor">
-            <a:schemeClr val="tx1"/>
-          </a:fontRef>
-        </p:style>
-      </p:cxnSp>
-      <p:cxnSp>
-        <p:nvCxnSpPr>
-          <p:cNvPr id="24" name="Conector recto de flecha 23"/>
-          <p:cNvCxnSpPr>
-            <a:endCxn id="7" idx="3"/>
-          </p:cNvCxnSpPr>
-          <p:nvPr/>
-        </p:nvCxnSpPr>
-        <p:spPr>
-          <a:xfrm>
-            <a:off x="9266903" y="4468758"/>
-            <a:ext cx="4917" cy="304423"/>
-          </a:xfrm>
-          <a:prstGeom prst="straightConnector1">
-            <a:avLst/>
-          </a:prstGeom>
-          <a:ln>
-            <a:solidFill>
-              <a:schemeClr val="tx1"/>
-            </a:solidFill>
-            <a:tailEnd type="triangle"/>
-          </a:ln>
-        </p:spPr>
-        <p:style>
-          <a:lnRef idx="1">
-            <a:schemeClr val="accent1"/>
-          </a:lnRef>
-          <a:fillRef idx="0">
-            <a:schemeClr val="accent1"/>
-          </a:fillRef>
-          <a:effectRef idx="0">
-            <a:schemeClr val="accent1"/>
-          </a:effectRef>
-          <a:fontRef idx="minor">
-            <a:schemeClr val="tx1"/>
-          </a:fontRef>
-        </p:style>
-      </p:cxnSp>
-    </p:spTree>
-    <p:extLst>
-      <p:ext uri="{BB962C8B-B14F-4D97-AF65-F5344CB8AC3E}">
-        <p14:creationId xmlns:p14="http://schemas.microsoft.com/office/powerpoint/2010/main" val="1854274928"/>
-      </p:ext>
-    </p:extLst>
-  </p:cSld>
-  <p:clrMapOvr>
-    <a:masterClrMapping/>
-  </p:clrMapOvr>
-  <p:timing>
-    <p:tnLst>
-      <p:par>
-        <p:cTn id="1" dur="indefinite" restart="never" nodeType="tmRoot"/>
-      </p:par>
-    </p:tnLst>
-  </p:timing>
-</p:sld>
-</file>
-
-<file path=ppt/slides/slide55.xml><?xml version="1.0" encoding="utf-8"?>
-<p:sld xmlns:a="http://schemas.openxmlformats.org/drawingml/2006/main" xmlns:r="http://schemas.openxmlformats.org/officeDocument/2006/relationships" xmlns:p="http://schemas.openxmlformats.org/presentationml/2006/main">
-  <p:cSld>
-    <p:spTree>
-      <p:nvGrpSpPr>
-        <p:cNvPr id="1" name=""/>
-        <p:cNvGrpSpPr/>
-        <p:nvPr/>
-      </p:nvGrpSpPr>
-      <p:grpSpPr>
-        <a:xfrm>
-          <a:off x="0" y="0"/>
-          <a:ext cx="0" cy="0"/>
-          <a:chOff x="0" y="0"/>
-          <a:chExt cx="0" cy="0"/>
-        </a:xfrm>
-      </p:grpSpPr>
-      <p:sp>
-        <p:nvSpPr>
-          <p:cNvPr id="2" name="Título 1"/>
-          <p:cNvSpPr>
-            <a:spLocks noGrp="1"/>
-          </p:cNvSpPr>
-          <p:nvPr>
-            <p:ph type="title"/>
-          </p:nvPr>
-        </p:nvSpPr>
-        <p:spPr/>
-        <p:txBody>
-          <a:bodyPr/>
-          <a:lstStyle/>
-          <a:p>
-            <a:r>
-              <a:rPr lang="es-ES" dirty="0" smtClean="0"/>
-              <a:t>Ejercicio</a:t>
-            </a:r>
-            <a:endParaRPr lang="es-CO" dirty="0"/>
-          </a:p>
-        </p:txBody>
-      </p:sp>
-      <p:sp>
-        <p:nvSpPr>
-          <p:cNvPr id="3" name="Marcador de contenido 2"/>
-          <p:cNvSpPr>
-            <a:spLocks noGrp="1"/>
-          </p:cNvSpPr>
-          <p:nvPr>
-            <p:ph idx="1"/>
-          </p:nvPr>
-        </p:nvSpPr>
-        <p:spPr>
-          <a:xfrm>
-            <a:off x="4148230" y="2625978"/>
-            <a:ext cx="6313293" cy="2526127"/>
-          </a:xfrm>
-        </p:spPr>
-        <p:txBody>
-          <a:bodyPr>
-            <a:normAutofit fontScale="92500" lnSpcReduction="10000"/>
-          </a:bodyPr>
-          <a:lstStyle/>
-          <a:p>
-            <a:r>
-              <a:rPr lang="es-ES" dirty="0" smtClean="0"/>
-              <a:t>Implemente la conexión </a:t>
-            </a:r>
-            <a:r>
-              <a:rPr lang="es-ES" dirty="0" err="1" smtClean="0"/>
-              <a:t>Singleton</a:t>
-            </a:r>
-            <a:r>
-              <a:rPr lang="es-ES" dirty="0" smtClean="0"/>
-              <a:t> del cliente. </a:t>
-            </a:r>
-          </a:p>
-          <a:p>
-            <a:endParaRPr lang="es-ES" dirty="0" smtClean="0"/>
-          </a:p>
-          <a:p>
-            <a:r>
-              <a:rPr lang="es-ES" dirty="0" smtClean="0"/>
-              <a:t>Pruebe el envío de mensajes usando el servidor </a:t>
-            </a:r>
-            <a:r>
-              <a:rPr lang="es-ES" dirty="0" err="1" smtClean="0"/>
-              <a:t>Singleton</a:t>
-            </a:r>
-            <a:r>
-              <a:rPr lang="es-ES" dirty="0" smtClean="0"/>
-              <a:t> y el cliente </a:t>
-            </a:r>
-            <a:r>
-              <a:rPr lang="es-ES" dirty="0" err="1" smtClean="0"/>
-              <a:t>Singleton</a:t>
-            </a:r>
-            <a:endParaRPr lang="es-ES" dirty="0" smtClean="0"/>
-          </a:p>
-          <a:p>
-            <a:endParaRPr lang="es-ES" dirty="0"/>
-          </a:p>
-          <a:p>
-            <a:r>
-              <a:rPr lang="es-ES" dirty="0" smtClean="0"/>
-              <a:t>Haga que el servidor TCP sea capaz de mantenerse disponible a pesar que ya haya terminado una sesión con </a:t>
-            </a:r>
-            <a:r>
-              <a:rPr lang="es-ES" smtClean="0"/>
-              <a:t>un cliente.</a:t>
-            </a:r>
-            <a:endParaRPr lang="es-CO" dirty="0"/>
-          </a:p>
-        </p:txBody>
-      </p:sp>
-      <p:pic>
-        <p:nvPicPr>
-          <p:cNvPr id="1026" name="Picture 2" descr="Resultado de imagen para homework png icon"/>
-          <p:cNvPicPr>
-            <a:picLocks noChangeAspect="1" noChangeArrowheads="1"/>
-          </p:cNvPicPr>
-          <p:nvPr/>
-        </p:nvPicPr>
-        <p:blipFill>
-          <a:blip r:embed="rId2">
-            <a:extLst>
-              <a:ext uri="{28A0092B-C50C-407E-A947-70E740481C1C}">
-                <a14:useLocalDpi xmlns:a14="http://schemas.microsoft.com/office/drawing/2010/main" val="0"/>
-              </a:ext>
-            </a:extLst>
-          </a:blip>
-          <a:srcRect/>
-          <a:stretch>
-            <a:fillRect/>
-          </a:stretch>
-        </p:blipFill>
-        <p:spPr bwMode="auto">
-          <a:xfrm>
-            <a:off x="914400" y="2084439"/>
-            <a:ext cx="3067665" cy="3067666"/>
-          </a:xfrm>
-          <a:prstGeom prst="rect">
-            <a:avLst/>
-          </a:prstGeom>
-          <a:noFill/>
-          <a:extLst>
-            <a:ext uri="{909E8E84-426E-40DD-AFC4-6F175D3DCCD1}">
-              <a14:hiddenFill xmlns:a14="http://schemas.microsoft.com/office/drawing/2010/main">
-                <a:solidFill>
-                  <a:srgbClr val="FFFFFF"/>
-                </a:solidFill>
-              </a14:hiddenFill>
-            </a:ext>
-          </a:extLst>
-        </p:spPr>
-      </p:pic>
-    </p:spTree>
-    <p:extLst>
-      <p:ext uri="{BB962C8B-B14F-4D97-AF65-F5344CB8AC3E}">
-        <p14:creationId xmlns:p14="http://schemas.microsoft.com/office/powerpoint/2010/main" val="1926768558"/>
-      </p:ext>
-    </p:extLst>
-  </p:cSld>
-  <p:clrMapOvr>
-    <a:masterClrMapping/>
-  </p:clrMapOvr>
-  <p:timing>
-    <p:tnLst>
-      <p:par>
-        <p:cTn id="1" dur="indefinite" restart="never" nodeType="tmRoot"/>
-      </p:par>
-    </p:tnLst>
-  </p:timing>
-</p:sld>
-</file>
-
-<file path=ppt/slides/slide56.xml><?xml version="1.0" encoding="utf-8"?>
-<p:sld xmlns:a="http://schemas.openxmlformats.org/drawingml/2006/main" xmlns:r="http://schemas.openxmlformats.org/officeDocument/2006/relationships" xmlns:p="http://schemas.openxmlformats.org/presentationml/2006/main">
-  <p:cSld>
-    <p:spTree>
-      <p:nvGrpSpPr>
-        <p:cNvPr id="1" name=""/>
-        <p:cNvGrpSpPr/>
-        <p:nvPr/>
-      </p:nvGrpSpPr>
-      <p:grpSpPr>
-        <a:xfrm>
-          <a:off x="0" y="0"/>
-          <a:ext cx="0" cy="0"/>
-          <a:chOff x="0" y="0"/>
-          <a:chExt cx="0" cy="0"/>
-        </a:xfrm>
-      </p:grpSpPr>
-      <p:sp>
-        <p:nvSpPr>
-          <p:cNvPr id="2" name="Título 1"/>
-          <p:cNvSpPr>
-            <a:spLocks noGrp="1"/>
-          </p:cNvSpPr>
-          <p:nvPr>
-            <p:ph type="title"/>
-          </p:nvPr>
-        </p:nvSpPr>
-        <p:spPr/>
-        <p:txBody>
-          <a:bodyPr/>
-          <a:lstStyle/>
-          <a:p>
-            <a:r>
-              <a:rPr lang="es-ES" dirty="0" smtClean="0"/>
               <a:t>Conexiones asíncronas</a:t>
             </a:r>
             <a:endParaRPr lang="es-CO" dirty="0"/>
@@ -34503,7 +34306,7 @@
 </p:sld>
 </file>
 
-<file path=ppt/slides/slide57.xml><?xml version="1.0" encoding="utf-8"?>
+<file path=ppt/slides/slide55.xml><?xml version="1.0" encoding="utf-8"?>
 <p:sld xmlns:a="http://schemas.openxmlformats.org/drawingml/2006/main" xmlns:r="http://schemas.openxmlformats.org/officeDocument/2006/relationships" xmlns:p="http://schemas.openxmlformats.org/presentationml/2006/main">
   <p:cSld>
     <p:spTree>
@@ -36755,7 +36558,7 @@
             <a:spLocks noGrp="1"/>
           </p:cNvSpPr>
           <p:nvPr>
-            <p:ph type="title"/>
+            <p:ph type="ctrTitle"/>
           </p:nvPr>
         </p:nvSpPr>
         <p:spPr/>
@@ -36764,8 +36567,8 @@
           <a:lstStyle/>
           <a:p>
             <a:r>
-              <a:rPr lang="es-ES" dirty="0" err="1" smtClean="0"/>
-              <a:t>Singleton</a:t>
+              <a:rPr lang="es-ES" dirty="0" smtClean="0"/>
+              <a:t>Ejercicio de clase</a:t>
             </a:r>
             <a:endParaRPr lang="es-CO" dirty="0"/>
           </a:p>
@@ -36773,99 +36576,29 @@
       </p:sp>
       <p:sp>
         <p:nvSpPr>
-          <p:cNvPr id="3" name="Marcador de contenido 2"/>
+          <p:cNvPr id="3" name="Subtítulo 2"/>
           <p:cNvSpPr>
             <a:spLocks noGrp="1"/>
           </p:cNvSpPr>
           <p:nvPr>
-            <p:ph idx="1"/>
+            <p:ph type="subTitle" idx="1"/>
           </p:nvPr>
         </p:nvSpPr>
         <p:spPr/>
         <p:txBody>
-          <a:bodyPr/>
-          <a:lstStyle/>
-          <a:p>
-            <a:r>
-              <a:rPr lang="es-ES" dirty="0" smtClean="0"/>
-              <a:t>El patrón </a:t>
-            </a:r>
-            <a:r>
-              <a:rPr lang="es-ES" dirty="0" err="1"/>
-              <a:t>S</a:t>
-            </a:r>
-            <a:r>
-              <a:rPr lang="es-ES" dirty="0" err="1" smtClean="0"/>
-              <a:t>ingleton</a:t>
-            </a:r>
-            <a:r>
-              <a:rPr lang="es-ES" dirty="0" smtClean="0"/>
-              <a:t> permite crear una única instancia a partir de una clase. </a:t>
-            </a:r>
-            <a:endParaRPr lang="es-ES" dirty="0"/>
-          </a:p>
-          <a:p>
-            <a:r>
-              <a:rPr lang="es-ES" dirty="0" smtClean="0"/>
-              <a:t>En el caso de conexiones, el patrón </a:t>
-            </a:r>
-            <a:r>
-              <a:rPr lang="es-ES" dirty="0" err="1" smtClean="0"/>
-              <a:t>Singleton</a:t>
-            </a:r>
-            <a:r>
-              <a:rPr lang="es-ES" dirty="0" smtClean="0"/>
-              <a:t> cobra importancia, permitiendo usar una conexión activa por múltiples objetos dentro de un software</a:t>
-            </a:r>
+          <a:bodyPr>
+            <a:normAutofit/>
+          </a:bodyPr>
+          <a:lstStyle/>
+          <a:p>
             <a:endParaRPr lang="es-CO" dirty="0"/>
           </a:p>
         </p:txBody>
       </p:sp>
-      <p:pic>
-        <p:nvPicPr>
-          <p:cNvPr id="1026" name="Picture 2" descr="Resultado de imagen para Singleton uml"/>
-          <p:cNvPicPr>
-            <a:picLocks noChangeAspect="1" noChangeArrowheads="1"/>
-          </p:cNvPicPr>
-          <p:nvPr/>
-        </p:nvPicPr>
-        <p:blipFill>
-          <a:blip r:embed="rId2">
-            <a:extLst>
-              <a:ext uri="{28A0092B-C50C-407E-A947-70E740481C1C}">
-                <a14:useLocalDpi xmlns:a14="http://schemas.microsoft.com/office/drawing/2010/main" val="0"/>
-              </a:ext>
-            </a:extLst>
-          </a:blip>
-          <a:srcRect/>
-          <a:stretch>
-            <a:fillRect/>
-          </a:stretch>
-        </p:blipFill>
-        <p:spPr bwMode="auto">
-          <a:xfrm>
-            <a:off x="4323315" y="3175409"/>
-            <a:ext cx="3607903" cy="2693685"/>
-          </a:xfrm>
-          <a:prstGeom prst="rect">
-            <a:avLst/>
-          </a:prstGeom>
-          <a:noFill/>
-          <a:extLst>
-            <a:ext uri="{909E8E84-426E-40DD-AFC4-6F175D3DCCD1}">
-              <a14:hiddenFill xmlns:a14="http://schemas.microsoft.com/office/drawing/2010/main">
-                <a:solidFill>
-                  <a:srgbClr val="FFFFFF"/>
-                </a:solidFill>
-              </a14:hiddenFill>
-            </a:ext>
-          </a:extLst>
-        </p:spPr>
-      </p:pic>
     </p:spTree>
     <p:extLst>
       <p:ext uri="{BB962C8B-B14F-4D97-AF65-F5344CB8AC3E}">
-        <p14:creationId xmlns:p14="http://schemas.microsoft.com/office/powerpoint/2010/main" val="3750862873"/>
+        <p14:creationId xmlns:p14="http://schemas.microsoft.com/office/powerpoint/2010/main" val="4085673761"/>
       </p:ext>
     </p:extLst>
   </p:cSld>
@@ -36906,7 +36639,7 @@
             <a:spLocks noGrp="1"/>
           </p:cNvSpPr>
           <p:nvPr>
-            <p:ph type="ctrTitle"/>
+            <p:ph type="title"/>
           </p:nvPr>
         </p:nvSpPr>
         <p:spPr/>
@@ -36916,7 +36649,7 @@
           <a:p>
             <a:r>
               <a:rPr lang="es-ES" dirty="0" smtClean="0"/>
-              <a:t>Ejercicio de clase</a:t>
+              <a:t>Ejercicio</a:t>
             </a:r>
             <a:endParaRPr lang="es-CO" dirty="0"/>
           </a:p>
@@ -36924,29 +36657,98 @@
       </p:sp>
       <p:sp>
         <p:nvSpPr>
-          <p:cNvPr id="3" name="Subtítulo 2"/>
+          <p:cNvPr id="3" name="Marcador de contenido 2"/>
           <p:cNvSpPr>
             <a:spLocks noGrp="1"/>
           </p:cNvSpPr>
           <p:nvPr>
-            <p:ph type="subTitle" idx="1"/>
+            <p:ph idx="1"/>
           </p:nvPr>
         </p:nvSpPr>
-        <p:spPr/>
-        <p:txBody>
-          <a:bodyPr>
-            <a:normAutofit/>
-          </a:bodyPr>
-          <a:lstStyle/>
+        <p:spPr>
+          <a:xfrm>
+            <a:off x="1097280" y="1845734"/>
+            <a:ext cx="5938787" cy="4023360"/>
+          </a:xfrm>
+        </p:spPr>
+        <p:txBody>
+          <a:bodyPr/>
+          <a:lstStyle/>
+          <a:p>
+            <a:r>
+              <a:rPr lang="es-CO" sz="2400" dirty="0"/>
+              <a:t>Desarrollar un programa en JAVA que permita obtener una lista de las direcciones IP que están siendo utilizadas en la subred a</a:t>
+            </a:r>
+            <a:r>
+              <a:rPr lang="es-CO" sz="2400" dirty="0" smtClean="0"/>
+              <a:t> </a:t>
+            </a:r>
+            <a:r>
+              <a:rPr lang="es-CO" sz="2400" dirty="0"/>
+              <a:t>la que estamos conectados</a:t>
+            </a:r>
+            <a:r>
+              <a:rPr lang="es-CO" sz="2400" dirty="0" smtClean="0"/>
+              <a:t>.</a:t>
+            </a:r>
+          </a:p>
+          <a:p>
+            <a:endParaRPr lang="es-ES" sz="2400" dirty="0"/>
+          </a:p>
+          <a:p>
+            <a:r>
+              <a:rPr lang="es-ES" sz="2400" dirty="0" smtClean="0"/>
+              <a:t>El programa consta de un hilo buscador. </a:t>
+            </a:r>
+          </a:p>
+          <a:p>
+            <a:endParaRPr lang="es-ES" sz="2400" dirty="0"/>
+          </a:p>
+          <a:p>
+            <a:r>
+              <a:rPr lang="es-ES" sz="2400" dirty="0" smtClean="0"/>
+              <a:t>El hilo tiene que reportar a la interfaz cada vez que encuentre un host</a:t>
+            </a:r>
+            <a:endParaRPr lang="es-CO" sz="2400" dirty="0" smtClean="0"/>
+          </a:p>
           <a:p>
             <a:endParaRPr lang="es-CO" dirty="0"/>
           </a:p>
         </p:txBody>
       </p:sp>
+      <p:pic>
+        <p:nvPicPr>
+          <p:cNvPr id="4" name="Imagen 3"/>
+          <p:cNvPicPr/>
+          <p:nvPr/>
+        </p:nvPicPr>
+        <p:blipFill rotWithShape="1">
+          <a:blip r:embed="rId2"/>
+          <a:srcRect l="18443" t="26353" r="26454" b="27781"/>
+          <a:stretch/>
+        </p:blipFill>
+        <p:spPr bwMode="auto">
+          <a:xfrm>
+            <a:off x="7036067" y="2618472"/>
+            <a:ext cx="4953918" cy="2319288"/>
+          </a:xfrm>
+          <a:prstGeom prst="rect">
+            <a:avLst/>
+          </a:prstGeom>
+          <a:ln>
+            <a:noFill/>
+          </a:ln>
+          <a:extLst>
+            <a:ext uri="{53640926-AAD7-44D8-BBD7-CCE9431645EC}">
+              <a14:shadowObscured xmlns:a14="http://schemas.microsoft.com/office/drawing/2010/main"/>
+            </a:ext>
+          </a:extLst>
+        </p:spPr>
+      </p:pic>
     </p:spTree>
     <p:extLst>
       <p:ext uri="{BB962C8B-B14F-4D97-AF65-F5344CB8AC3E}">
-        <p14:creationId xmlns:p14="http://schemas.microsoft.com/office/powerpoint/2010/main" val="4085673761"/>
+        <p14:creationId xmlns:p14="http://schemas.microsoft.com/office/powerpoint/2010/main" val="391011779"/>
       </p:ext>
     </p:extLst>
   </p:cSld>
